--- a/期末报告.pptx
+++ b/期末报告.pptx
@@ -6,28 +6,34 @@
   </p:sldMasterIdLst>
   <p:sldIdLst>
     <p:sldId id="256" r:id="rId2"/>
-    <p:sldId id="257" r:id="rId3"/>
-    <p:sldId id="258" r:id="rId4"/>
-    <p:sldId id="259" r:id="rId5"/>
-    <p:sldId id="260" r:id="rId6"/>
-    <p:sldId id="261" r:id="rId7"/>
-    <p:sldId id="262" r:id="rId8"/>
-    <p:sldId id="263" r:id="rId9"/>
-    <p:sldId id="264" r:id="rId10"/>
-    <p:sldId id="265" r:id="rId11"/>
-    <p:sldId id="266" r:id="rId12"/>
-    <p:sldId id="267" r:id="rId13"/>
-    <p:sldId id="268" r:id="rId14"/>
-    <p:sldId id="269" r:id="rId15"/>
-    <p:sldId id="270" r:id="rId16"/>
-    <p:sldId id="271" r:id="rId17"/>
-    <p:sldId id="272" r:id="rId18"/>
-    <p:sldId id="273" r:id="rId19"/>
-    <p:sldId id="274" r:id="rId20"/>
-    <p:sldId id="275" r:id="rId21"/>
-    <p:sldId id="276" r:id="rId22"/>
-    <p:sldId id="277" r:id="rId23"/>
-    <p:sldId id="278" r:id="rId24"/>
+    <p:sldId id="279" r:id="rId3"/>
+    <p:sldId id="280" r:id="rId4"/>
+    <p:sldId id="257" r:id="rId5"/>
+    <p:sldId id="281" r:id="rId6"/>
+    <p:sldId id="282" r:id="rId7"/>
+    <p:sldId id="283" r:id="rId8"/>
+    <p:sldId id="258" r:id="rId9"/>
+    <p:sldId id="259" r:id="rId10"/>
+    <p:sldId id="260" r:id="rId11"/>
+    <p:sldId id="261" r:id="rId12"/>
+    <p:sldId id="262" r:id="rId13"/>
+    <p:sldId id="263" r:id="rId14"/>
+    <p:sldId id="264" r:id="rId15"/>
+    <p:sldId id="265" r:id="rId16"/>
+    <p:sldId id="266" r:id="rId17"/>
+    <p:sldId id="267" r:id="rId18"/>
+    <p:sldId id="268" r:id="rId19"/>
+    <p:sldId id="269" r:id="rId20"/>
+    <p:sldId id="270" r:id="rId21"/>
+    <p:sldId id="271" r:id="rId22"/>
+    <p:sldId id="272" r:id="rId23"/>
+    <p:sldId id="273" r:id="rId24"/>
+    <p:sldId id="274" r:id="rId25"/>
+    <p:sldId id="275" r:id="rId26"/>
+    <p:sldId id="276" r:id="rId27"/>
+    <p:sldId id="284" r:id="rId28"/>
+    <p:sldId id="285" r:id="rId29"/>
+    <p:sldId id="278" r:id="rId30"/>
   </p:sldIdLst>
   <p:sldSz cx="12192000" cy="6858000"/>
   <p:notesSz cx="6858000" cy="9144000"/>
@@ -126,6 +132,11 @@
       </a:defRPr>
     </a:lvl9pPr>
   </p:defaultTextStyle>
+  <p:extLst>
+    <p:ext uri="{EFAFB233-063F-42B5-8137-9DF3F51BA10A}">
+      <p15:sldGuideLst xmlns:p15="http://schemas.microsoft.com/office/powerpoint/2012/main"/>
+    </p:ext>
+  </p:extLst>
 </p:presentation>
 </file>
 
@@ -260,7 +271,7 @@
           <a:p>
             <a:fld id="{6DFF121D-7CFF-4348-93C9-41259B23E04D}" type="datetimeFigureOut">
               <a:rPr lang="zh-CN" altLang="en-US" smtClean="0"/>
-              <a:t>2017/12/24</a:t>
+              <a:t>2017/12/27</a:t>
             </a:fld>
             <a:endParaRPr lang="zh-CN" altLang="en-US"/>
           </a:p>
@@ -430,7 +441,7 @@
           <a:p>
             <a:fld id="{6DFF121D-7CFF-4348-93C9-41259B23E04D}" type="datetimeFigureOut">
               <a:rPr lang="zh-CN" altLang="en-US" smtClean="0"/>
-              <a:t>2017/12/24</a:t>
+              <a:t>2017/12/27</a:t>
             </a:fld>
             <a:endParaRPr lang="zh-CN" altLang="en-US"/>
           </a:p>
@@ -610,7 +621,7 @@
           <a:p>
             <a:fld id="{6DFF121D-7CFF-4348-93C9-41259B23E04D}" type="datetimeFigureOut">
               <a:rPr lang="zh-CN" altLang="en-US" smtClean="0"/>
-              <a:t>2017/12/24</a:t>
+              <a:t>2017/12/27</a:t>
             </a:fld>
             <a:endParaRPr lang="zh-CN" altLang="en-US"/>
           </a:p>
@@ -780,7 +791,7 @@
           <a:p>
             <a:fld id="{6DFF121D-7CFF-4348-93C9-41259B23E04D}" type="datetimeFigureOut">
               <a:rPr lang="zh-CN" altLang="en-US" smtClean="0"/>
-              <a:t>2017/12/24</a:t>
+              <a:t>2017/12/27</a:t>
             </a:fld>
             <a:endParaRPr lang="zh-CN" altLang="en-US"/>
           </a:p>
@@ -1026,7 +1037,7 @@
           <a:p>
             <a:fld id="{6DFF121D-7CFF-4348-93C9-41259B23E04D}" type="datetimeFigureOut">
               <a:rPr lang="zh-CN" altLang="en-US" smtClean="0"/>
-              <a:t>2017/12/24</a:t>
+              <a:t>2017/12/27</a:t>
             </a:fld>
             <a:endParaRPr lang="zh-CN" altLang="en-US"/>
           </a:p>
@@ -1258,7 +1269,7 @@
           <a:p>
             <a:fld id="{6DFF121D-7CFF-4348-93C9-41259B23E04D}" type="datetimeFigureOut">
               <a:rPr lang="zh-CN" altLang="en-US" smtClean="0"/>
-              <a:t>2017/12/24</a:t>
+              <a:t>2017/12/27</a:t>
             </a:fld>
             <a:endParaRPr lang="zh-CN" altLang="en-US"/>
           </a:p>
@@ -1625,7 +1636,7 @@
           <a:p>
             <a:fld id="{6DFF121D-7CFF-4348-93C9-41259B23E04D}" type="datetimeFigureOut">
               <a:rPr lang="zh-CN" altLang="en-US" smtClean="0"/>
-              <a:t>2017/12/24</a:t>
+              <a:t>2017/12/27</a:t>
             </a:fld>
             <a:endParaRPr lang="zh-CN" altLang="en-US"/>
           </a:p>
@@ -1743,7 +1754,7 @@
           <a:p>
             <a:fld id="{6DFF121D-7CFF-4348-93C9-41259B23E04D}" type="datetimeFigureOut">
               <a:rPr lang="zh-CN" altLang="en-US" smtClean="0"/>
-              <a:t>2017/12/24</a:t>
+              <a:t>2017/12/27</a:t>
             </a:fld>
             <a:endParaRPr lang="zh-CN" altLang="en-US"/>
           </a:p>
@@ -1838,7 +1849,7 @@
           <a:p>
             <a:fld id="{6DFF121D-7CFF-4348-93C9-41259B23E04D}" type="datetimeFigureOut">
               <a:rPr lang="zh-CN" altLang="en-US" smtClean="0"/>
-              <a:t>2017/12/24</a:t>
+              <a:t>2017/12/27</a:t>
             </a:fld>
             <a:endParaRPr lang="zh-CN" altLang="en-US"/>
           </a:p>
@@ -2115,7 +2126,7 @@
           <a:p>
             <a:fld id="{6DFF121D-7CFF-4348-93C9-41259B23E04D}" type="datetimeFigureOut">
               <a:rPr lang="zh-CN" altLang="en-US" smtClean="0"/>
-              <a:t>2017/12/24</a:t>
+              <a:t>2017/12/27</a:t>
             </a:fld>
             <a:endParaRPr lang="zh-CN" altLang="en-US"/>
           </a:p>
@@ -2368,7 +2379,7 @@
           <a:p>
             <a:fld id="{6DFF121D-7CFF-4348-93C9-41259B23E04D}" type="datetimeFigureOut">
               <a:rPr lang="zh-CN" altLang="en-US" smtClean="0"/>
-              <a:t>2017/12/24</a:t>
+              <a:t>2017/12/27</a:t>
             </a:fld>
             <a:endParaRPr lang="zh-CN" altLang="en-US"/>
           </a:p>
@@ -2581,7 +2592,7 @@
           <a:p>
             <a:fld id="{6DFF121D-7CFF-4348-93C9-41259B23E04D}" type="datetimeFigureOut">
               <a:rPr lang="zh-CN" altLang="en-US" smtClean="0"/>
-              <a:t>2017/12/24</a:t>
+              <a:t>2017/12/27</a:t>
             </a:fld>
             <a:endParaRPr lang="zh-CN" altLang="en-US"/>
           </a:p>
@@ -3003,13 +3014,16 @@
           </a:xfrm>
         </p:spPr>
         <p:txBody>
-          <a:bodyPr/>
-          <a:lstStyle/>
-          <a:p>
-            <a:r>
-              <a:rPr lang="zh-CN" altLang="en-US" dirty="0"/>
-              <a:t>大概分这几个</a:t>
-            </a:r>
+          <a:bodyPr>
+            <a:normAutofit/>
+          </a:bodyPr>
+          <a:lstStyle/>
+          <a:p>
+            <a:r>
+              <a:rPr lang="zh-CN" altLang="en-US" dirty="0" smtClean="0"/>
+              <a:t>房价预测小组期末报告</a:t>
+            </a:r>
+            <a:endParaRPr lang="zh-CN" altLang="en-US" dirty="0"/>
           </a:p>
         </p:txBody>
       </p:sp>
@@ -3025,7 +3039,7 @@
         </p:nvSpPr>
         <p:spPr>
           <a:xfrm>
-            <a:off x="1524000" y="2276061"/>
+            <a:off x="1414670" y="2892288"/>
             <a:ext cx="9144000" cy="2981739"/>
           </a:xfrm>
         </p:spPr>
@@ -3040,31 +3054,35 @@
             </a:r>
             <a:r>
               <a:rPr lang="zh-CN" altLang="en-US" dirty="0" smtClean="0"/>
-              <a:t>、数据预处理</a:t>
+              <a:t>、数据准备</a:t>
             </a:r>
             <a:endParaRPr lang="en-US" altLang="zh-CN" dirty="0" smtClean="0"/>
           </a:p>
           <a:p>
             <a:pPr algn="l"/>
             <a:r>
-              <a:rPr lang="en-US" altLang="zh-CN" dirty="0" smtClean="0"/>
+              <a:rPr lang="en-US" altLang="zh-CN" dirty="0"/>
               <a:t>2</a:t>
             </a:r>
             <a:r>
               <a:rPr lang="zh-CN" altLang="en-US" dirty="0" smtClean="0"/>
-              <a:t>、数据挖掘算法的选择</a:t>
+              <a:t>、</a:t>
+            </a:r>
+            <a:r>
+              <a:rPr lang="zh-CN" altLang="en-US" dirty="0" smtClean="0"/>
+              <a:t>数据预处理</a:t>
             </a:r>
             <a:endParaRPr lang="en-US" altLang="zh-CN" dirty="0" smtClean="0"/>
           </a:p>
           <a:p>
             <a:pPr algn="l"/>
             <a:r>
-              <a:rPr lang="en-US" altLang="zh-CN" dirty="0" smtClean="0"/>
+              <a:rPr lang="en-US" altLang="zh-CN" dirty="0"/>
               <a:t>3</a:t>
             </a:r>
             <a:r>
               <a:rPr lang="zh-CN" altLang="en-US" dirty="0" smtClean="0"/>
-              <a:t>、结果评估</a:t>
+              <a:t>、模型选择</a:t>
             </a:r>
             <a:endParaRPr lang="en-US" altLang="zh-CN" dirty="0" smtClean="0"/>
           </a:p>
@@ -3076,9 +3094,59 @@
             </a:r>
             <a:r>
               <a:rPr lang="zh-CN" altLang="en-US" dirty="0" smtClean="0"/>
-              <a:t>、“余弦定理”连接模型</a:t>
-            </a:r>
-            <a:endParaRPr lang="en-US" altLang="zh-CN" dirty="0" smtClean="0"/>
+              <a:t>、</a:t>
+            </a:r>
+            <a:r>
+              <a:rPr lang="zh-CN" altLang="en-US" dirty="0" smtClean="0"/>
+              <a:t>结果评估</a:t>
+            </a:r>
+            <a:endParaRPr lang="en-US" altLang="zh-CN" dirty="0" smtClean="0"/>
+          </a:p>
+          <a:p>
+            <a:pPr algn="l"/>
+            <a:r>
+              <a:rPr lang="en-US" altLang="zh-CN" dirty="0"/>
+              <a:t>5</a:t>
+            </a:r>
+            <a:r>
+              <a:rPr lang="zh-CN" altLang="en-US" dirty="0" smtClean="0"/>
+              <a:t>、后续处理</a:t>
+            </a:r>
+            <a:endParaRPr lang="en-US" altLang="zh-CN" dirty="0" smtClean="0"/>
+          </a:p>
+        </p:txBody>
+      </p:sp>
+      <p:sp>
+        <p:nvSpPr>
+          <p:cNvPr id="4" name="文本框 3"/>
+          <p:cNvSpPr txBox="1"/>
+          <p:nvPr/>
+        </p:nvSpPr>
+        <p:spPr>
+          <a:xfrm>
+            <a:off x="6410740" y="2007704"/>
+            <a:ext cx="3786808" cy="369332"/>
+          </a:xfrm>
+          <a:prstGeom prst="rect">
+            <a:avLst/>
+          </a:prstGeom>
+          <a:noFill/>
+        </p:spPr>
+        <p:txBody>
+          <a:bodyPr wrap="square" rtlCol="0">
+            <a:spAutoFit/>
+          </a:bodyPr>
+          <a:lstStyle/>
+          <a:p>
+            <a:r>
+              <a:rPr lang="zh-CN" altLang="en-US" dirty="0"/>
+              <a:t>窦鹏</a:t>
+            </a:r>
+            <a:r>
+              <a:rPr lang="zh-CN" altLang="en-US" dirty="0" smtClean="0"/>
+              <a:t>飞、李泽坤、伍维晨、严祚宇</a:t>
+            </a:r>
+            <a:endParaRPr lang="zh-CN" altLang="en-US" dirty="0"/>
           </a:p>
         </p:txBody>
       </p:sp>
@@ -3136,6 +3204,901 @@
           <a:p>
             <a:pPr algn="ctr"/>
             <a:r>
+              <a:rPr lang="zh-CN" altLang="en-US" dirty="0"/>
+              <a:t>模型选择</a:t>
+            </a:r>
+            <a:r>
+              <a:rPr lang="en-US" altLang="zh-CN" dirty="0"/>
+              <a:t>——</a:t>
+            </a:r>
+            <a:r>
+              <a:rPr lang="zh-CN" altLang="en-US" dirty="0" smtClean="0"/>
+              <a:t>线性模型</a:t>
+            </a:r>
+            <a:endParaRPr lang="zh-CN" altLang="en-US" dirty="0"/>
+          </a:p>
+        </p:txBody>
+      </p:sp>
+      <p:pic>
+        <p:nvPicPr>
+          <p:cNvPr id="6" name="内容占位符 5"/>
+          <p:cNvPicPr>
+            <a:picLocks noGrp="1" noChangeAspect="1"/>
+          </p:cNvPicPr>
+          <p:nvPr>
+            <p:ph idx="1"/>
+          </p:nvPr>
+        </p:nvPicPr>
+        <p:blipFill>
+          <a:blip r:embed="rId2"/>
+          <a:stretch>
+            <a:fillRect/>
+          </a:stretch>
+        </p:blipFill>
+        <p:spPr>
+          <a:xfrm>
+            <a:off x="1162050" y="5067299"/>
+            <a:ext cx="10020300" cy="1247775"/>
+          </a:xfrm>
+          <a:prstGeom prst="rect">
+            <a:avLst/>
+          </a:prstGeom>
+        </p:spPr>
+      </p:pic>
+      <p:pic>
+        <p:nvPicPr>
+          <p:cNvPr id="4" name="图片 3"/>
+          <p:cNvPicPr>
+            <a:picLocks noChangeAspect="1"/>
+          </p:cNvPicPr>
+          <p:nvPr/>
+        </p:nvPicPr>
+        <p:blipFill>
+          <a:blip r:embed="rId3"/>
+          <a:stretch>
+            <a:fillRect/>
+          </a:stretch>
+        </p:blipFill>
+        <p:spPr>
+          <a:xfrm>
+            <a:off x="1162050" y="1690688"/>
+            <a:ext cx="6162675" cy="914400"/>
+          </a:xfrm>
+          <a:prstGeom prst="rect">
+            <a:avLst/>
+          </a:prstGeom>
+        </p:spPr>
+      </p:pic>
+      <p:pic>
+        <p:nvPicPr>
+          <p:cNvPr id="5" name="图片 4"/>
+          <p:cNvPicPr>
+            <a:picLocks noChangeAspect="1"/>
+          </p:cNvPicPr>
+          <p:nvPr/>
+        </p:nvPicPr>
+        <p:blipFill>
+          <a:blip r:embed="rId4"/>
+          <a:stretch>
+            <a:fillRect/>
+          </a:stretch>
+        </p:blipFill>
+        <p:spPr>
+          <a:xfrm>
+            <a:off x="1162050" y="2874962"/>
+            <a:ext cx="4933950" cy="2057400"/>
+          </a:xfrm>
+          <a:prstGeom prst="rect">
+            <a:avLst/>
+          </a:prstGeom>
+        </p:spPr>
+      </p:pic>
+      <p:sp>
+        <p:nvSpPr>
+          <p:cNvPr id="7" name="文本框 6"/>
+          <p:cNvSpPr txBox="1"/>
+          <p:nvPr/>
+        </p:nvSpPr>
+        <p:spPr>
+          <a:xfrm>
+            <a:off x="7245625" y="1963222"/>
+            <a:ext cx="3936725" cy="461665"/>
+          </a:xfrm>
+          <a:prstGeom prst="rect">
+            <a:avLst/>
+          </a:prstGeom>
+          <a:noFill/>
+        </p:spPr>
+        <p:txBody>
+          <a:bodyPr wrap="square" rtlCol="0">
+            <a:spAutoFit/>
+          </a:bodyPr>
+          <a:lstStyle/>
+          <a:p>
+            <a:r>
+              <a:rPr lang="zh-CN" altLang="en-US" sz="2400" dirty="0" smtClean="0"/>
+              <a:t>目的是使得误差函数尽量小</a:t>
+            </a:r>
+            <a:endParaRPr lang="zh-CN" altLang="en-US" sz="2400" dirty="0"/>
+          </a:p>
+        </p:txBody>
+      </p:sp>
+    </p:spTree>
+    <p:extLst>
+      <p:ext uri="{BB962C8B-B14F-4D97-AF65-F5344CB8AC3E}">
+        <p14:creationId xmlns:p14="http://schemas.microsoft.com/office/powerpoint/2010/main" val="2359220739"/>
+      </p:ext>
+    </p:extLst>
+  </p:cSld>
+  <p:clrMapOvr>
+    <a:masterClrMapping/>
+  </p:clrMapOvr>
+  <p:timing>
+    <p:tnLst>
+      <p:par>
+        <p:cTn id="1" dur="indefinite" restart="never" nodeType="tmRoot"/>
+      </p:par>
+    </p:tnLst>
+  </p:timing>
+</p:sld>
+</file>
+
+<file path=ppt/slides/slide11.xml><?xml version="1.0" encoding="utf-8"?>
+<p:sld xmlns:a="http://schemas.openxmlformats.org/drawingml/2006/main" xmlns:r="http://schemas.openxmlformats.org/officeDocument/2006/relationships" xmlns:p="http://schemas.openxmlformats.org/presentationml/2006/main">
+  <p:cSld>
+    <p:spTree>
+      <p:nvGrpSpPr>
+        <p:cNvPr id="1" name=""/>
+        <p:cNvGrpSpPr/>
+        <p:nvPr/>
+      </p:nvGrpSpPr>
+      <p:grpSpPr>
+        <a:xfrm>
+          <a:off x="0" y="0"/>
+          <a:ext cx="0" cy="0"/>
+          <a:chOff x="0" y="0"/>
+          <a:chExt cx="0" cy="0"/>
+        </a:xfrm>
+      </p:grpSpPr>
+      <p:sp>
+        <p:nvSpPr>
+          <p:cNvPr id="2" name="标题 1"/>
+          <p:cNvSpPr>
+            <a:spLocks noGrp="1"/>
+          </p:cNvSpPr>
+          <p:nvPr>
+            <p:ph type="title"/>
+          </p:nvPr>
+        </p:nvSpPr>
+        <p:spPr/>
+        <p:txBody>
+          <a:bodyPr/>
+          <a:lstStyle/>
+          <a:p>
+            <a:pPr algn="ctr"/>
+            <a:r>
+              <a:rPr lang="zh-CN" altLang="en-US" dirty="0"/>
+              <a:t>模型选择</a:t>
+            </a:r>
+            <a:r>
+              <a:rPr lang="en-US" altLang="zh-CN" dirty="0"/>
+              <a:t>——</a:t>
+            </a:r>
+            <a:r>
+              <a:rPr lang="zh-CN" altLang="en-US" dirty="0" smtClean="0"/>
+              <a:t>线性模型</a:t>
+            </a:r>
+            <a:endParaRPr lang="zh-CN" altLang="en-US" dirty="0"/>
+          </a:p>
+        </p:txBody>
+      </p:sp>
+      <p:sp>
+        <p:nvSpPr>
+          <p:cNvPr id="3" name="内容占位符 2"/>
+          <p:cNvSpPr>
+            <a:spLocks noGrp="1"/>
+          </p:cNvSpPr>
+          <p:nvPr>
+            <p:ph idx="1"/>
+          </p:nvPr>
+        </p:nvSpPr>
+        <p:spPr/>
+        <p:txBody>
+          <a:bodyPr/>
+          <a:lstStyle/>
+          <a:p>
+            <a:r>
+              <a:rPr lang="en-US" altLang="zh-CN" dirty="0" err="1" smtClean="0"/>
+              <a:t>Ols</a:t>
+            </a:r>
+            <a:r>
+              <a:rPr lang="zh-CN" altLang="en-US" dirty="0" smtClean="0"/>
+              <a:t>问题：</a:t>
+            </a:r>
+            <a:r>
+              <a:rPr lang="en-US" altLang="zh-CN" dirty="0" smtClean="0"/>
+              <a:t>rank(x)</a:t>
+            </a:r>
+            <a:r>
+              <a:rPr lang="zh-CN" altLang="en-US" dirty="0" smtClean="0"/>
+              <a:t>并不经常等于</a:t>
+            </a:r>
+            <a:r>
+              <a:rPr lang="en-US" altLang="zh-CN" dirty="0" smtClean="0"/>
+              <a:t>p</a:t>
+            </a:r>
+            <a:r>
+              <a:rPr lang="zh-CN" altLang="en-US" dirty="0" smtClean="0"/>
+              <a:t>，这时               并不存在</a:t>
+            </a:r>
+            <a:endParaRPr lang="en-US" altLang="zh-CN" dirty="0" smtClean="0"/>
+          </a:p>
+          <a:p>
+            <a:endParaRPr lang="en-US" altLang="zh-CN" dirty="0"/>
+          </a:p>
+          <a:p>
+            <a:r>
+              <a:rPr lang="zh-CN" altLang="en-US" dirty="0" smtClean="0"/>
+              <a:t>解决方法：</a:t>
+            </a:r>
+            <a:endParaRPr lang="en-US" altLang="zh-CN" dirty="0" smtClean="0"/>
+          </a:p>
+          <a:p>
+            <a:r>
+              <a:rPr lang="en-US" altLang="zh-CN" dirty="0" smtClean="0"/>
+              <a:t>ridge</a:t>
+            </a:r>
+            <a:endParaRPr lang="en-US" altLang="zh-CN" dirty="0"/>
+          </a:p>
+          <a:p>
+            <a:endParaRPr lang="en-US" altLang="zh-CN" dirty="0" smtClean="0"/>
+          </a:p>
+          <a:p>
+            <a:pPr marL="0" indent="0">
+              <a:buNone/>
+            </a:pPr>
+            <a:endParaRPr lang="en-US" altLang="zh-CN" dirty="0" smtClean="0"/>
+          </a:p>
+          <a:p>
+            <a:endParaRPr lang="zh-CN" altLang="en-US" dirty="0"/>
+          </a:p>
+        </p:txBody>
+      </p:sp>
+      <p:pic>
+        <p:nvPicPr>
+          <p:cNvPr id="4" name="图片 3"/>
+          <p:cNvPicPr>
+            <a:picLocks noChangeAspect="1"/>
+          </p:cNvPicPr>
+          <p:nvPr/>
+        </p:nvPicPr>
+        <p:blipFill>
+          <a:blip r:embed="rId2"/>
+          <a:stretch>
+            <a:fillRect/>
+          </a:stretch>
+        </p:blipFill>
+        <p:spPr>
+          <a:xfrm>
+            <a:off x="7374007" y="1825625"/>
+            <a:ext cx="1181100" cy="571500"/>
+          </a:xfrm>
+          <a:prstGeom prst="rect">
+            <a:avLst/>
+          </a:prstGeom>
+        </p:spPr>
+      </p:pic>
+      <p:pic>
+        <p:nvPicPr>
+          <p:cNvPr id="7" name="图片 6"/>
+          <p:cNvPicPr>
+            <a:picLocks noChangeAspect="1"/>
+          </p:cNvPicPr>
+          <p:nvPr/>
+        </p:nvPicPr>
+        <p:blipFill>
+          <a:blip r:embed="rId3"/>
+          <a:stretch>
+            <a:fillRect/>
+          </a:stretch>
+        </p:blipFill>
+        <p:spPr>
+          <a:xfrm>
+            <a:off x="2303600" y="3229464"/>
+            <a:ext cx="5070407" cy="1195105"/>
+          </a:xfrm>
+          <a:prstGeom prst="rect">
+            <a:avLst/>
+          </a:prstGeom>
+        </p:spPr>
+      </p:pic>
+      <p:pic>
+        <p:nvPicPr>
+          <p:cNvPr id="8" name="图片 7"/>
+          <p:cNvPicPr>
+            <a:picLocks noChangeAspect="1"/>
+          </p:cNvPicPr>
+          <p:nvPr/>
+        </p:nvPicPr>
+        <p:blipFill>
+          <a:blip r:embed="rId4"/>
+          <a:stretch>
+            <a:fillRect/>
+          </a:stretch>
+        </p:blipFill>
+        <p:spPr>
+          <a:xfrm>
+            <a:off x="2303600" y="4371083"/>
+            <a:ext cx="5295900" cy="1457325"/>
+          </a:xfrm>
+          <a:prstGeom prst="rect">
+            <a:avLst/>
+          </a:prstGeom>
+        </p:spPr>
+      </p:pic>
+    </p:spTree>
+    <p:extLst>
+      <p:ext uri="{BB962C8B-B14F-4D97-AF65-F5344CB8AC3E}">
+        <p14:creationId xmlns:p14="http://schemas.microsoft.com/office/powerpoint/2010/main" val="237760344"/>
+      </p:ext>
+    </p:extLst>
+  </p:cSld>
+  <p:clrMapOvr>
+    <a:masterClrMapping/>
+  </p:clrMapOvr>
+  <p:timing>
+    <p:tnLst>
+      <p:par>
+        <p:cTn id="1" dur="indefinite" restart="never" nodeType="tmRoot"/>
+      </p:par>
+    </p:tnLst>
+  </p:timing>
+</p:sld>
+</file>
+
+<file path=ppt/slides/slide12.xml><?xml version="1.0" encoding="utf-8"?>
+<p:sld xmlns:a="http://schemas.openxmlformats.org/drawingml/2006/main" xmlns:r="http://schemas.openxmlformats.org/officeDocument/2006/relationships" xmlns:p="http://schemas.openxmlformats.org/presentationml/2006/main">
+  <p:cSld>
+    <p:spTree>
+      <p:nvGrpSpPr>
+        <p:cNvPr id="1" name=""/>
+        <p:cNvGrpSpPr/>
+        <p:nvPr/>
+      </p:nvGrpSpPr>
+      <p:grpSpPr>
+        <a:xfrm>
+          <a:off x="0" y="0"/>
+          <a:ext cx="0" cy="0"/>
+          <a:chOff x="0" y="0"/>
+          <a:chExt cx="0" cy="0"/>
+        </a:xfrm>
+      </p:grpSpPr>
+      <p:sp>
+        <p:nvSpPr>
+          <p:cNvPr id="2" name="标题 1"/>
+          <p:cNvSpPr>
+            <a:spLocks noGrp="1"/>
+          </p:cNvSpPr>
+          <p:nvPr>
+            <p:ph type="title"/>
+          </p:nvPr>
+        </p:nvSpPr>
+        <p:spPr/>
+        <p:txBody>
+          <a:bodyPr/>
+          <a:lstStyle/>
+          <a:p>
+            <a:pPr algn="ctr"/>
+            <a:r>
+              <a:rPr lang="zh-CN" altLang="en-US" dirty="0"/>
+              <a:t>模型选择</a:t>
+            </a:r>
+            <a:r>
+              <a:rPr lang="en-US" altLang="zh-CN" dirty="0"/>
+              <a:t>——</a:t>
+            </a:r>
+            <a:r>
+              <a:rPr lang="zh-CN" altLang="en-US" dirty="0" smtClean="0"/>
+              <a:t>线性模型</a:t>
+            </a:r>
+            <a:endParaRPr lang="zh-CN" altLang="en-US" dirty="0"/>
+          </a:p>
+        </p:txBody>
+      </p:sp>
+      <p:sp>
+        <p:nvSpPr>
+          <p:cNvPr id="3" name="内容占位符 2"/>
+          <p:cNvSpPr>
+            <a:spLocks noGrp="1"/>
+          </p:cNvSpPr>
+          <p:nvPr>
+            <p:ph idx="1"/>
+          </p:nvPr>
+        </p:nvSpPr>
+        <p:spPr/>
+        <p:txBody>
+          <a:bodyPr/>
+          <a:lstStyle/>
+          <a:p>
+            <a:r>
+              <a:rPr lang="zh-CN" altLang="en-US" dirty="0"/>
+              <a:t>解决</a:t>
+            </a:r>
+            <a:r>
+              <a:rPr lang="zh-CN" altLang="en-US" dirty="0" smtClean="0"/>
+              <a:t>方法：</a:t>
+            </a:r>
+            <a:endParaRPr lang="en-US" altLang="zh-CN" dirty="0" smtClean="0"/>
+          </a:p>
+          <a:p>
+            <a:r>
+              <a:rPr lang="en-US" altLang="zh-CN" dirty="0" smtClean="0"/>
+              <a:t>Lasso</a:t>
+            </a:r>
+            <a:r>
+              <a:rPr lang="zh-CN" altLang="en-US" dirty="0" smtClean="0"/>
+              <a:t>：</a:t>
+            </a:r>
+            <a:endParaRPr lang="en-US" altLang="zh-CN" dirty="0" smtClean="0"/>
+          </a:p>
+          <a:p>
+            <a:endParaRPr lang="en-US" altLang="zh-CN" dirty="0"/>
+          </a:p>
+          <a:p>
+            <a:endParaRPr lang="en-US" altLang="zh-CN" dirty="0" smtClean="0"/>
+          </a:p>
+          <a:p>
+            <a:r>
+              <a:rPr lang="en-US" altLang="zh-CN" dirty="0" err="1" smtClean="0"/>
+              <a:t>Elasticnet</a:t>
+            </a:r>
+            <a:r>
+              <a:rPr lang="zh-CN" altLang="en-US" dirty="0" smtClean="0"/>
+              <a:t>：将</a:t>
+            </a:r>
+            <a:r>
+              <a:rPr lang="en-US" altLang="zh-CN" dirty="0" smtClean="0"/>
+              <a:t>lasso</a:t>
+            </a:r>
+            <a:r>
+              <a:rPr lang="zh-CN" altLang="en-US" dirty="0" smtClean="0"/>
+              <a:t>、</a:t>
+            </a:r>
+            <a:r>
+              <a:rPr lang="en-US" altLang="zh-CN" dirty="0" smtClean="0"/>
+              <a:t>ridge</a:t>
+            </a:r>
+            <a:r>
+              <a:rPr lang="zh-CN" altLang="en-US" dirty="0" smtClean="0"/>
+              <a:t>合二为一：</a:t>
+            </a:r>
+            <a:endParaRPr lang="en-US" altLang="zh-CN" dirty="0" smtClean="0"/>
+          </a:p>
+          <a:p>
+            <a:endParaRPr lang="en-US" altLang="zh-CN" dirty="0" smtClean="0"/>
+          </a:p>
+          <a:p>
+            <a:endParaRPr lang="zh-CN" altLang="en-US" dirty="0"/>
+          </a:p>
+        </p:txBody>
+      </p:sp>
+      <p:pic>
+        <p:nvPicPr>
+          <p:cNvPr id="4" name="图片 3"/>
+          <p:cNvPicPr>
+            <a:picLocks noChangeAspect="1"/>
+          </p:cNvPicPr>
+          <p:nvPr/>
+        </p:nvPicPr>
+        <p:blipFill>
+          <a:blip r:embed="rId2"/>
+          <a:stretch>
+            <a:fillRect/>
+          </a:stretch>
+        </p:blipFill>
+        <p:spPr>
+          <a:xfrm>
+            <a:off x="2279375" y="2113721"/>
+            <a:ext cx="4568686" cy="1395987"/>
+          </a:xfrm>
+          <a:prstGeom prst="rect">
+            <a:avLst/>
+          </a:prstGeom>
+        </p:spPr>
+      </p:pic>
+      <p:pic>
+        <p:nvPicPr>
+          <p:cNvPr id="5" name="图片 4"/>
+          <p:cNvPicPr>
+            <a:picLocks noChangeAspect="1"/>
+          </p:cNvPicPr>
+          <p:nvPr/>
+        </p:nvPicPr>
+        <p:blipFill>
+          <a:blip r:embed="rId3"/>
+          <a:stretch>
+            <a:fillRect/>
+          </a:stretch>
+        </p:blipFill>
+        <p:spPr>
+          <a:xfrm>
+            <a:off x="2587489" y="4644470"/>
+            <a:ext cx="8675632" cy="1155182"/>
+          </a:xfrm>
+          <a:prstGeom prst="rect">
+            <a:avLst/>
+          </a:prstGeom>
+        </p:spPr>
+      </p:pic>
+    </p:spTree>
+    <p:extLst>
+      <p:ext uri="{BB962C8B-B14F-4D97-AF65-F5344CB8AC3E}">
+        <p14:creationId xmlns:p14="http://schemas.microsoft.com/office/powerpoint/2010/main" val="3416330270"/>
+      </p:ext>
+    </p:extLst>
+  </p:cSld>
+  <p:clrMapOvr>
+    <a:masterClrMapping/>
+  </p:clrMapOvr>
+  <p:timing>
+    <p:tnLst>
+      <p:par>
+        <p:cTn id="1" dur="indefinite" restart="never" nodeType="tmRoot"/>
+      </p:par>
+    </p:tnLst>
+  </p:timing>
+</p:sld>
+</file>
+
+<file path=ppt/slides/slide13.xml><?xml version="1.0" encoding="utf-8"?>
+<p:sld xmlns:a="http://schemas.openxmlformats.org/drawingml/2006/main" xmlns:r="http://schemas.openxmlformats.org/officeDocument/2006/relationships" xmlns:p="http://schemas.openxmlformats.org/presentationml/2006/main">
+  <p:cSld>
+    <p:spTree>
+      <p:nvGrpSpPr>
+        <p:cNvPr id="1" name=""/>
+        <p:cNvGrpSpPr/>
+        <p:nvPr/>
+      </p:nvGrpSpPr>
+      <p:grpSpPr>
+        <a:xfrm>
+          <a:off x="0" y="0"/>
+          <a:ext cx="0" cy="0"/>
+          <a:chOff x="0" y="0"/>
+          <a:chExt cx="0" cy="0"/>
+        </a:xfrm>
+      </p:grpSpPr>
+      <p:sp>
+        <p:nvSpPr>
+          <p:cNvPr id="2" name="标题 1"/>
+          <p:cNvSpPr>
+            <a:spLocks noGrp="1"/>
+          </p:cNvSpPr>
+          <p:nvPr>
+            <p:ph type="title"/>
+          </p:nvPr>
+        </p:nvSpPr>
+        <p:spPr/>
+        <p:txBody>
+          <a:bodyPr/>
+          <a:lstStyle/>
+          <a:p>
+            <a:pPr algn="ctr"/>
+            <a:r>
+              <a:rPr lang="zh-CN" altLang="en-US" dirty="0"/>
+              <a:t>模型选择</a:t>
+            </a:r>
+            <a:r>
+              <a:rPr lang="en-US" altLang="zh-CN" dirty="0"/>
+              <a:t>——</a:t>
+            </a:r>
+            <a:r>
+              <a:rPr lang="zh-CN" altLang="en-US" dirty="0" smtClean="0"/>
+              <a:t>结果</a:t>
+            </a:r>
+            <a:endParaRPr lang="zh-CN" altLang="en-US" dirty="0"/>
+          </a:p>
+        </p:txBody>
+      </p:sp>
+      <p:sp>
+        <p:nvSpPr>
+          <p:cNvPr id="3" name="内容占位符 2"/>
+          <p:cNvSpPr>
+            <a:spLocks noGrp="1"/>
+          </p:cNvSpPr>
+          <p:nvPr>
+            <p:ph idx="1"/>
+          </p:nvPr>
+        </p:nvSpPr>
+        <p:spPr/>
+        <p:txBody>
+          <a:bodyPr>
+            <a:normAutofit/>
+          </a:bodyPr>
+          <a:lstStyle/>
+          <a:p>
+            <a:endParaRPr lang="en-US" altLang="zh-CN" dirty="0" smtClean="0"/>
+          </a:p>
+          <a:p>
+            <a:r>
+              <a:rPr lang="zh-CN" altLang="en-US" dirty="0" smtClean="0"/>
+              <a:t>评价方法：</a:t>
+            </a:r>
+            <a:endParaRPr lang="en-US" altLang="zh-CN" dirty="0" smtClean="0"/>
+          </a:p>
+          <a:p>
+            <a:endParaRPr lang="en-US" altLang="zh-CN" dirty="0"/>
+          </a:p>
+          <a:p>
+            <a:r>
+              <a:rPr lang="en-US" altLang="zh-CN" dirty="0" err="1" smtClean="0"/>
+              <a:t>Ols</a:t>
+            </a:r>
+            <a:r>
+              <a:rPr lang="zh-CN" altLang="en-US" dirty="0" smtClean="0"/>
+              <a:t>：较大，</a:t>
+            </a:r>
+            <a:r>
+              <a:rPr lang="zh-CN" altLang="en-US" dirty="0" smtClean="0"/>
+              <a:t>原因：参数较多且特征矩阵过于稀疏</a:t>
+            </a:r>
+            <a:endParaRPr lang="en-US" altLang="zh-CN" dirty="0" smtClean="0"/>
+          </a:p>
+          <a:p>
+            <a:r>
+              <a:rPr lang="en-US" altLang="zh-CN" dirty="0" smtClean="0"/>
+              <a:t>Lasso</a:t>
+            </a:r>
+            <a:r>
+              <a:rPr lang="zh-CN" altLang="en-US" dirty="0" smtClean="0"/>
+              <a:t>：</a:t>
+            </a:r>
+            <a:r>
+              <a:rPr lang="en-US" altLang="zh-CN" dirty="0" smtClean="0"/>
+              <a:t>28056</a:t>
+            </a:r>
+          </a:p>
+          <a:p>
+            <a:r>
+              <a:rPr lang="en-US" altLang="zh-CN" dirty="0" smtClean="0"/>
+              <a:t>Ridge</a:t>
+            </a:r>
+            <a:r>
+              <a:rPr lang="zh-CN" altLang="en-US" dirty="0" smtClean="0"/>
+              <a:t>：</a:t>
+            </a:r>
+            <a:r>
+              <a:rPr lang="en-US" altLang="zh-CN" dirty="0" smtClean="0"/>
+              <a:t>27534</a:t>
+            </a:r>
+          </a:p>
+          <a:p>
+            <a:r>
+              <a:rPr lang="en-US" altLang="zh-CN" dirty="0" err="1" smtClean="0"/>
+              <a:t>Elasticnet</a:t>
+            </a:r>
+            <a:r>
+              <a:rPr lang="zh-CN" altLang="en-US" dirty="0" smtClean="0"/>
+              <a:t>：</a:t>
+            </a:r>
+            <a:r>
+              <a:rPr lang="en-US" altLang="zh-CN" dirty="0" smtClean="0"/>
+              <a:t>26658</a:t>
+            </a:r>
+          </a:p>
+          <a:p>
+            <a:r>
+              <a:rPr lang="zh-CN" altLang="en-US" dirty="0" smtClean="0"/>
+              <a:t>结论：可以明显看到，在添加正则项之后线性模型表现好了很多</a:t>
+            </a:r>
+            <a:endParaRPr lang="en-US" altLang="zh-CN" dirty="0" smtClean="0"/>
+          </a:p>
+          <a:p>
+            <a:endParaRPr lang="zh-CN" altLang="en-US" dirty="0"/>
+          </a:p>
+        </p:txBody>
+      </p:sp>
+      <p:pic>
+        <p:nvPicPr>
+          <p:cNvPr id="4" name="图片 3"/>
+          <p:cNvPicPr>
+            <a:picLocks noChangeAspect="1"/>
+          </p:cNvPicPr>
+          <p:nvPr/>
+        </p:nvPicPr>
+        <p:blipFill>
+          <a:blip r:embed="rId2"/>
+          <a:stretch>
+            <a:fillRect/>
+          </a:stretch>
+        </p:blipFill>
+        <p:spPr>
+          <a:xfrm>
+            <a:off x="2768875" y="1690688"/>
+            <a:ext cx="5242064" cy="1533393"/>
+          </a:xfrm>
+          <a:prstGeom prst="rect">
+            <a:avLst/>
+          </a:prstGeom>
+        </p:spPr>
+      </p:pic>
+    </p:spTree>
+    <p:extLst>
+      <p:ext uri="{BB962C8B-B14F-4D97-AF65-F5344CB8AC3E}">
+        <p14:creationId xmlns:p14="http://schemas.microsoft.com/office/powerpoint/2010/main" val="2570049706"/>
+      </p:ext>
+    </p:extLst>
+  </p:cSld>
+  <p:clrMapOvr>
+    <a:masterClrMapping/>
+  </p:clrMapOvr>
+  <p:timing>
+    <p:tnLst>
+      <p:par>
+        <p:cTn id="1" dur="indefinite" restart="never" nodeType="tmRoot"/>
+      </p:par>
+    </p:tnLst>
+  </p:timing>
+</p:sld>
+</file>
+
+<file path=ppt/slides/slide14.xml><?xml version="1.0" encoding="utf-8"?>
+<p:sld xmlns:a="http://schemas.openxmlformats.org/drawingml/2006/main" xmlns:r="http://schemas.openxmlformats.org/officeDocument/2006/relationships" xmlns:p="http://schemas.openxmlformats.org/presentationml/2006/main">
+  <p:cSld>
+    <p:spTree>
+      <p:nvGrpSpPr>
+        <p:cNvPr id="1" name=""/>
+        <p:cNvGrpSpPr/>
+        <p:nvPr/>
+      </p:nvGrpSpPr>
+      <p:grpSpPr>
+        <a:xfrm>
+          <a:off x="0" y="0"/>
+          <a:ext cx="0" cy="0"/>
+          <a:chOff x="0" y="0"/>
+          <a:chExt cx="0" cy="0"/>
+        </a:xfrm>
+      </p:grpSpPr>
+      <p:sp>
+        <p:nvSpPr>
+          <p:cNvPr id="2" name="标题 1"/>
+          <p:cNvSpPr>
+            <a:spLocks noGrp="1"/>
+          </p:cNvSpPr>
+          <p:nvPr>
+            <p:ph type="title"/>
+          </p:nvPr>
+        </p:nvSpPr>
+        <p:spPr/>
+        <p:txBody>
+          <a:bodyPr/>
+          <a:lstStyle/>
+          <a:p>
+            <a:pPr algn="ctr"/>
+            <a:r>
+              <a:rPr lang="zh-CN" altLang="en-US" dirty="0"/>
+              <a:t>模型选择</a:t>
+            </a:r>
+            <a:r>
+              <a:rPr lang="en-US" altLang="zh-CN" dirty="0"/>
+              <a:t>——</a:t>
+            </a:r>
+            <a:r>
+              <a:rPr lang="zh-CN" altLang="en-US" dirty="0" smtClean="0"/>
+              <a:t>神经网络</a:t>
+            </a:r>
+            <a:endParaRPr lang="zh-CN" altLang="en-US" dirty="0"/>
+          </a:p>
+        </p:txBody>
+      </p:sp>
+      <p:sp>
+        <p:nvSpPr>
+          <p:cNvPr id="3" name="内容占位符 2"/>
+          <p:cNvSpPr>
+            <a:spLocks noGrp="1"/>
+          </p:cNvSpPr>
+          <p:nvPr>
+            <p:ph idx="1"/>
+          </p:nvPr>
+        </p:nvSpPr>
+        <p:spPr/>
+        <p:txBody>
+          <a:bodyPr/>
+          <a:lstStyle/>
+          <a:p>
+            <a:r>
+              <a:rPr lang="zh-CN" altLang="en-US" dirty="0" smtClean="0"/>
+              <a:t>简介：</a:t>
+            </a:r>
+            <a:endParaRPr lang="zh-CN" altLang="en-US" dirty="0"/>
+          </a:p>
+        </p:txBody>
+      </p:sp>
+      <p:pic>
+        <p:nvPicPr>
+          <p:cNvPr id="4" name="图片 3"/>
+          <p:cNvPicPr>
+            <a:picLocks noChangeAspect="1"/>
+          </p:cNvPicPr>
+          <p:nvPr/>
+        </p:nvPicPr>
+        <p:blipFill>
+          <a:blip r:embed="rId2"/>
+          <a:stretch>
+            <a:fillRect/>
+          </a:stretch>
+        </p:blipFill>
+        <p:spPr>
+          <a:xfrm>
+            <a:off x="2182260" y="1638300"/>
+            <a:ext cx="8105775" cy="5219700"/>
+          </a:xfrm>
+          <a:prstGeom prst="rect">
+            <a:avLst/>
+          </a:prstGeom>
+        </p:spPr>
+      </p:pic>
+    </p:spTree>
+    <p:extLst>
+      <p:ext uri="{BB962C8B-B14F-4D97-AF65-F5344CB8AC3E}">
+        <p14:creationId xmlns:p14="http://schemas.microsoft.com/office/powerpoint/2010/main" val="663055834"/>
+      </p:ext>
+    </p:extLst>
+  </p:cSld>
+  <p:clrMapOvr>
+    <a:masterClrMapping/>
+  </p:clrMapOvr>
+  <p:timing>
+    <p:tnLst>
+      <p:par>
+        <p:cTn id="1" dur="indefinite" restart="never" nodeType="tmRoot"/>
+      </p:par>
+    </p:tnLst>
+  </p:timing>
+</p:sld>
+</file>
+
+<file path=ppt/slides/slide15.xml><?xml version="1.0" encoding="utf-8"?>
+<p:sld xmlns:a="http://schemas.openxmlformats.org/drawingml/2006/main" xmlns:r="http://schemas.openxmlformats.org/officeDocument/2006/relationships" xmlns:p="http://schemas.openxmlformats.org/presentationml/2006/main">
+  <p:cSld>
+    <p:spTree>
+      <p:nvGrpSpPr>
+        <p:cNvPr id="1" name=""/>
+        <p:cNvGrpSpPr/>
+        <p:nvPr/>
+      </p:nvGrpSpPr>
+      <p:grpSpPr>
+        <a:xfrm>
+          <a:off x="0" y="0"/>
+          <a:ext cx="0" cy="0"/>
+          <a:chOff x="0" y="0"/>
+          <a:chExt cx="0" cy="0"/>
+        </a:xfrm>
+      </p:grpSpPr>
+      <p:sp>
+        <p:nvSpPr>
+          <p:cNvPr id="2" name="标题 1"/>
+          <p:cNvSpPr>
+            <a:spLocks noGrp="1"/>
+          </p:cNvSpPr>
+          <p:nvPr>
+            <p:ph type="title"/>
+          </p:nvPr>
+        </p:nvSpPr>
+        <p:spPr/>
+        <p:txBody>
+          <a:bodyPr/>
+          <a:lstStyle/>
+          <a:p>
+            <a:pPr algn="ctr"/>
+            <a:r>
+              <a:rPr lang="zh-CN" altLang="en-US" dirty="0"/>
+              <a:t>模型选择</a:t>
+            </a:r>
+            <a:r>
+              <a:rPr lang="en-US" altLang="zh-CN" dirty="0"/>
+              <a:t>——</a:t>
+            </a:r>
+            <a:r>
               <a:rPr lang="zh-CN" altLang="en-US" dirty="0" smtClean="0"/>
               <a:t>神经网络</a:t>
             </a:r>
@@ -3189,7 +4152,7 @@
 </p:sld>
 </file>
 
-<file path=ppt/slides/slide11.xml><?xml version="1.0" encoding="utf-8"?>
+<file path=ppt/slides/slide16.xml><?xml version="1.0" encoding="utf-8"?>
 <p:sld xmlns:a="http://schemas.openxmlformats.org/drawingml/2006/main" xmlns:r="http://schemas.openxmlformats.org/officeDocument/2006/relationships" xmlns:p="http://schemas.openxmlformats.org/presentationml/2006/main">
   <p:cSld>
     <p:spTree>
@@ -3222,6 +4185,14 @@
           <a:lstStyle/>
           <a:p>
             <a:pPr algn="ctr"/>
+            <a:r>
+              <a:rPr lang="zh-CN" altLang="en-US" dirty="0"/>
+              <a:t>模型选择</a:t>
+            </a:r>
+            <a:r>
+              <a:rPr lang="en-US" altLang="zh-CN" dirty="0"/>
+              <a:t>——</a:t>
+            </a:r>
             <a:r>
               <a:rPr lang="zh-CN" altLang="en-US" dirty="0" smtClean="0"/>
               <a:t>神经网络</a:t>
@@ -3276,7 +4247,7 @@
 </p:sld>
 </file>
 
-<file path=ppt/slides/slide12.xml><?xml version="1.0" encoding="utf-8"?>
+<file path=ppt/slides/slide17.xml><?xml version="1.0" encoding="utf-8"?>
 <p:sld xmlns:a="http://schemas.openxmlformats.org/drawingml/2006/main" xmlns:r="http://schemas.openxmlformats.org/officeDocument/2006/relationships" xmlns:p="http://schemas.openxmlformats.org/presentationml/2006/main">
   <p:cSld>
     <p:spTree>
@@ -3309,6 +4280,14 @@
           <a:lstStyle/>
           <a:p>
             <a:pPr algn="ctr"/>
+            <a:r>
+              <a:rPr lang="zh-CN" altLang="en-US" dirty="0"/>
+              <a:t>模型选择</a:t>
+            </a:r>
+            <a:r>
+              <a:rPr lang="en-US" altLang="zh-CN" dirty="0"/>
+              <a:t>——</a:t>
+            </a:r>
             <a:r>
               <a:rPr lang="zh-CN" altLang="en-US" dirty="0" smtClean="0"/>
               <a:t>神经网络</a:t>
@@ -3363,7 +4342,7 @@
 </p:sld>
 </file>
 
-<file path=ppt/slides/slide13.xml><?xml version="1.0" encoding="utf-8"?>
+<file path=ppt/slides/slide18.xml><?xml version="1.0" encoding="utf-8"?>
 <p:sld xmlns:a="http://schemas.openxmlformats.org/drawingml/2006/main" xmlns:r="http://schemas.openxmlformats.org/officeDocument/2006/relationships" xmlns:p="http://schemas.openxmlformats.org/presentationml/2006/main">
   <p:cSld>
     <p:spTree>
@@ -3397,8 +4376,20 @@
           <a:p>
             <a:pPr algn="ctr"/>
             <a:r>
-              <a:rPr lang="zh-CN" altLang="en-US" dirty="0" smtClean="0"/>
-              <a:t>结果评估</a:t>
+              <a:rPr lang="zh-CN" altLang="en-US" dirty="0"/>
+              <a:t>模型选择</a:t>
+            </a:r>
+            <a:r>
+              <a:rPr lang="en-US" altLang="zh-CN" dirty="0"/>
+              <a:t>——</a:t>
+            </a:r>
+            <a:r>
+              <a:rPr lang="zh-CN" altLang="en-US" dirty="0" smtClean="0"/>
+              <a:t>结果</a:t>
+            </a:r>
+            <a:r>
+              <a:rPr lang="zh-CN" altLang="en-US" dirty="0" smtClean="0"/>
+              <a:t>评估</a:t>
             </a:r>
             <a:endParaRPr lang="zh-CN" altLang="en-US" dirty="0"/>
           </a:p>
@@ -3470,7 +4461,7 @@
 </p:sld>
 </file>
 
-<file path=ppt/slides/slide14.xml><?xml version="1.0" encoding="utf-8"?>
+<file path=ppt/slides/slide19.xml><?xml version="1.0" encoding="utf-8"?>
 <p:sld xmlns:a="http://schemas.openxmlformats.org/drawingml/2006/main" xmlns:r="http://schemas.openxmlformats.org/officeDocument/2006/relationships" xmlns:p="http://schemas.openxmlformats.org/presentationml/2006/main">
   <p:cSld>
     <p:spTree>
@@ -3504,8 +4495,20 @@
           <a:p>
             <a:pPr algn="ctr"/>
             <a:r>
-              <a:rPr lang="zh-CN" altLang="en-US" dirty="0" smtClean="0"/>
-              <a:t>集成学习</a:t>
+              <a:rPr lang="zh-CN" altLang="en-US" dirty="0"/>
+              <a:t>模型选择</a:t>
+            </a:r>
+            <a:r>
+              <a:rPr lang="en-US" altLang="zh-CN" dirty="0"/>
+              <a:t>——</a:t>
+            </a:r>
+            <a:r>
+              <a:rPr lang="zh-CN" altLang="en-US" dirty="0" smtClean="0"/>
+              <a:t>集成</a:t>
+            </a:r>
+            <a:r>
+              <a:rPr lang="zh-CN" altLang="en-US" dirty="0" smtClean="0"/>
+              <a:t>学习</a:t>
             </a:r>
             <a:endParaRPr lang="zh-CN" altLang="en-US" dirty="0"/>
           </a:p>
@@ -3597,7 +4600,7 @@
 </p:sld>
 </file>
 
-<file path=ppt/slides/slide15.xml><?xml version="1.0" encoding="utf-8"?>
+<file path=ppt/slides/slide2.xml><?xml version="1.0" encoding="utf-8"?>
 <p:sld xmlns:a="http://schemas.openxmlformats.org/drawingml/2006/main" xmlns:r="http://schemas.openxmlformats.org/officeDocument/2006/relationships" xmlns:p="http://schemas.openxmlformats.org/presentationml/2006/main">
   <p:cSld>
     <p:spTree>
@@ -3631,8 +4634,148 @@
           <a:p>
             <a:pPr algn="ctr"/>
             <a:r>
+              <a:rPr lang="zh-CN" altLang="en-US" dirty="0" smtClean="0"/>
+              <a:t>数据准备</a:t>
+            </a:r>
+            <a:endParaRPr lang="zh-CN" altLang="en-US" dirty="0"/>
+          </a:p>
+        </p:txBody>
+      </p:sp>
+      <p:sp>
+        <p:nvSpPr>
+          <p:cNvPr id="3" name="内容占位符 2"/>
+          <p:cNvSpPr>
+            <a:spLocks noGrp="1"/>
+          </p:cNvSpPr>
+          <p:nvPr>
+            <p:ph idx="1"/>
+          </p:nvPr>
+        </p:nvSpPr>
+        <p:spPr/>
+        <p:txBody>
+          <a:bodyPr/>
+          <a:lstStyle/>
+          <a:p>
+            <a:r>
+              <a:rPr lang="zh-CN" altLang="en-US" dirty="0" smtClean="0"/>
+              <a:t>数据来源：</a:t>
+            </a:r>
+            <a:r>
+              <a:rPr lang="en-US" altLang="zh-CN" dirty="0" err="1"/>
+              <a:t>kaggle</a:t>
+            </a:r>
+            <a:r>
               <a:rPr lang="zh-CN" altLang="en-US" dirty="0"/>
-              <a:t>集成学习</a:t>
+              <a:t>竞赛上的艾奥瓦州房价预测数据集</a:t>
+            </a:r>
+            <a:r>
+              <a:rPr lang="en-US" altLang="zh-CN" dirty="0"/>
+              <a:t>(</a:t>
+            </a:r>
+            <a:r>
+              <a:rPr lang="en-US" altLang="zh-CN" dirty="0">
+                <a:hlinkClick r:id="rId2"/>
+              </a:rPr>
+              <a:t>https://www.kaggle.com/c/iowa-house-prices-regression-techniques</a:t>
+            </a:r>
+            <a:r>
+              <a:rPr lang="en-US" altLang="zh-CN" dirty="0" smtClean="0">
+                <a:hlinkClick r:id="rId2"/>
+              </a:rPr>
+              <a:t>)</a:t>
+            </a:r>
+            <a:endParaRPr lang="en-US" altLang="zh-CN" dirty="0" smtClean="0"/>
+          </a:p>
+          <a:p>
+            <a:endParaRPr lang="en-US" altLang="zh-CN" dirty="0"/>
+          </a:p>
+          <a:p>
+            <a:endParaRPr lang="en-US" altLang="zh-CN" dirty="0" smtClean="0"/>
+          </a:p>
+          <a:p>
+            <a:r>
+              <a:rPr lang="zh-CN" altLang="en-US" dirty="0" smtClean="0"/>
+              <a:t>目的：构建</a:t>
+            </a:r>
+            <a:r>
+              <a:rPr lang="zh-CN" altLang="en-US" dirty="0"/>
+              <a:t>回归模型以尽量精确地预测房价</a:t>
+            </a:r>
+            <a:r>
+              <a:rPr lang="zh-CN" altLang="en-US" dirty="0" smtClean="0"/>
+              <a:t>。</a:t>
+            </a:r>
+            <a:endParaRPr lang="en-US" altLang="zh-CN" dirty="0" smtClean="0"/>
+          </a:p>
+          <a:p>
+            <a:endParaRPr lang="en-US" altLang="zh-CN" dirty="0"/>
+          </a:p>
+          <a:p>
+            <a:endParaRPr lang="zh-CN" altLang="en-US" dirty="0"/>
+          </a:p>
+        </p:txBody>
+      </p:sp>
+    </p:spTree>
+    <p:extLst>
+      <p:ext uri="{BB962C8B-B14F-4D97-AF65-F5344CB8AC3E}">
+        <p14:creationId xmlns:p14="http://schemas.microsoft.com/office/powerpoint/2010/main" val="2919039102"/>
+      </p:ext>
+    </p:extLst>
+  </p:cSld>
+  <p:clrMapOvr>
+    <a:masterClrMapping/>
+  </p:clrMapOvr>
+</p:sld>
+</file>
+
+<file path=ppt/slides/slide20.xml><?xml version="1.0" encoding="utf-8"?>
+<p:sld xmlns:a="http://schemas.openxmlformats.org/drawingml/2006/main" xmlns:r="http://schemas.openxmlformats.org/officeDocument/2006/relationships" xmlns:p="http://schemas.openxmlformats.org/presentationml/2006/main">
+  <p:cSld>
+    <p:spTree>
+      <p:nvGrpSpPr>
+        <p:cNvPr id="1" name=""/>
+        <p:cNvGrpSpPr/>
+        <p:nvPr/>
+      </p:nvGrpSpPr>
+      <p:grpSpPr>
+        <a:xfrm>
+          <a:off x="0" y="0"/>
+          <a:ext cx="0" cy="0"/>
+          <a:chOff x="0" y="0"/>
+          <a:chExt cx="0" cy="0"/>
+        </a:xfrm>
+      </p:grpSpPr>
+      <p:sp>
+        <p:nvSpPr>
+          <p:cNvPr id="2" name="标题 1"/>
+          <p:cNvSpPr>
+            <a:spLocks noGrp="1"/>
+          </p:cNvSpPr>
+          <p:nvPr>
+            <p:ph type="title"/>
+          </p:nvPr>
+        </p:nvSpPr>
+        <p:spPr/>
+        <p:txBody>
+          <a:bodyPr/>
+          <a:lstStyle/>
+          <a:p>
+            <a:pPr algn="ctr"/>
+            <a:r>
+              <a:rPr lang="zh-CN" altLang="en-US" dirty="0"/>
+              <a:t>模型选择</a:t>
+            </a:r>
+            <a:r>
+              <a:rPr lang="en-US" altLang="zh-CN" dirty="0"/>
+              <a:t>——</a:t>
+            </a:r>
+            <a:r>
+              <a:rPr lang="zh-CN" altLang="en-US" dirty="0" smtClean="0"/>
+              <a:t>集成</a:t>
+            </a:r>
+            <a:r>
+              <a:rPr lang="zh-CN" altLang="en-US" dirty="0"/>
+              <a:t>学习</a:t>
             </a:r>
           </a:p>
         </p:txBody>
@@ -3730,7 +4873,7 @@
 </p:sld>
 </file>
 
-<file path=ppt/slides/slide16.xml><?xml version="1.0" encoding="utf-8"?>
+<file path=ppt/slides/slide21.xml><?xml version="1.0" encoding="utf-8"?>
 <p:sld xmlns:a="http://schemas.openxmlformats.org/drawingml/2006/main" xmlns:r="http://schemas.openxmlformats.org/officeDocument/2006/relationships" xmlns:p="http://schemas.openxmlformats.org/presentationml/2006/main">
   <p:cSld>
     <p:spTree>
@@ -3764,8 +4907,20 @@
           <a:p>
             <a:pPr algn="ctr"/>
             <a:r>
-              <a:rPr lang="zh-CN" altLang="en-US" dirty="0" smtClean="0"/>
-              <a:t>集成学习</a:t>
+              <a:rPr lang="zh-CN" altLang="en-US" dirty="0"/>
+              <a:t>模型选择</a:t>
+            </a:r>
+            <a:r>
+              <a:rPr lang="en-US" altLang="zh-CN" dirty="0"/>
+              <a:t>——</a:t>
+            </a:r>
+            <a:r>
+              <a:rPr lang="zh-CN" altLang="en-US" dirty="0" smtClean="0"/>
+              <a:t>集成</a:t>
+            </a:r>
+            <a:r>
+              <a:rPr lang="zh-CN" altLang="en-US" dirty="0" smtClean="0"/>
+              <a:t>学习</a:t>
             </a:r>
             <a:endParaRPr lang="zh-CN" altLang="en-US" dirty="0"/>
           </a:p>
@@ -3815,7 +4970,7 @@
 </p:sld>
 </file>
 
-<file path=ppt/slides/slide17.xml><?xml version="1.0" encoding="utf-8"?>
+<file path=ppt/slides/slide22.xml><?xml version="1.0" encoding="utf-8"?>
 <p:sld xmlns:a="http://schemas.openxmlformats.org/drawingml/2006/main" xmlns:r="http://schemas.openxmlformats.org/officeDocument/2006/relationships" xmlns:p="http://schemas.openxmlformats.org/presentationml/2006/main">
   <p:cSld>
     <p:spTree>
@@ -3850,7 +5005,19 @@
             <a:pPr algn="ctr"/>
             <a:r>
               <a:rPr lang="zh-CN" altLang="en-US" dirty="0"/>
-              <a:t>集成学习</a:t>
+              <a:t>模型选择</a:t>
+            </a:r>
+            <a:r>
+              <a:rPr lang="en-US" altLang="zh-CN" dirty="0"/>
+              <a:t>——</a:t>
+            </a:r>
+            <a:r>
+              <a:rPr lang="zh-CN" altLang="en-US" dirty="0" smtClean="0"/>
+              <a:t>集成</a:t>
+            </a:r>
+            <a:r>
+              <a:rPr lang="zh-CN" altLang="en-US" dirty="0"/>
+              <a:t>学习</a:t>
             </a:r>
           </a:p>
         </p:txBody>
@@ -4029,7 +5196,7 @@
 </p:sld>
 </file>
 
-<file path=ppt/slides/slide18.xml><?xml version="1.0" encoding="utf-8"?>
+<file path=ppt/slides/slide23.xml><?xml version="1.0" encoding="utf-8"?>
 <p:sld xmlns:a="http://schemas.openxmlformats.org/drawingml/2006/main" xmlns:r="http://schemas.openxmlformats.org/officeDocument/2006/relationships" xmlns:p="http://schemas.openxmlformats.org/presentationml/2006/main">
   <p:cSld>
     <p:spTree>
@@ -4064,7 +5231,19 @@
             <a:pPr algn="ctr"/>
             <a:r>
               <a:rPr lang="zh-CN" altLang="en-US" dirty="0" smtClean="0"/>
-              <a:t>集成学习</a:t>
+              <a:t>模型选择</a:t>
+            </a:r>
+            <a:r>
+              <a:rPr lang="en-US" altLang="zh-CN" dirty="0" smtClean="0"/>
+              <a:t>——</a:t>
+            </a:r>
+            <a:r>
+              <a:rPr lang="zh-CN" altLang="en-US" dirty="0" smtClean="0"/>
+              <a:t>集成</a:t>
+            </a:r>
+            <a:r>
+              <a:rPr lang="zh-CN" altLang="en-US" dirty="0" smtClean="0"/>
+              <a:t>学习</a:t>
             </a:r>
             <a:endParaRPr lang="zh-CN" altLang="en-US" dirty="0"/>
           </a:p>
@@ -4218,7 +5397,7 @@
 </p:sld>
 </file>
 
-<file path=ppt/slides/slide19.xml><?xml version="1.0" encoding="utf-8"?>
+<file path=ppt/slides/slide24.xml><?xml version="1.0" encoding="utf-8"?>
 <p:sld xmlns:a="http://schemas.openxmlformats.org/drawingml/2006/main" xmlns:r="http://schemas.openxmlformats.org/officeDocument/2006/relationships" xmlns:p="http://schemas.openxmlformats.org/presentationml/2006/main">
   <p:cSld>
     <p:spTree>
@@ -4253,7 +5432,19 @@
             <a:pPr algn="ctr"/>
             <a:r>
               <a:rPr lang="zh-CN" altLang="en-US" dirty="0" smtClean="0"/>
-              <a:t>集成学习</a:t>
+              <a:t>模型选择</a:t>
+            </a:r>
+            <a:r>
+              <a:rPr lang="en-US" altLang="zh-CN" dirty="0" smtClean="0"/>
+              <a:t>——</a:t>
+            </a:r>
+            <a:r>
+              <a:rPr lang="zh-CN" altLang="en-US" dirty="0" smtClean="0"/>
+              <a:t>集成</a:t>
+            </a:r>
+            <a:r>
+              <a:rPr lang="zh-CN" altLang="en-US" dirty="0" smtClean="0"/>
+              <a:t>学习</a:t>
             </a:r>
             <a:endParaRPr lang="zh-CN" altLang="en-US" dirty="0"/>
           </a:p>
@@ -4468,235 +5659,7 @@
 </p:sld>
 </file>
 
-<file path=ppt/slides/slide2.xml><?xml version="1.0" encoding="utf-8"?>
-<p:sld xmlns:a="http://schemas.openxmlformats.org/drawingml/2006/main" xmlns:r="http://schemas.openxmlformats.org/officeDocument/2006/relationships" xmlns:p="http://schemas.openxmlformats.org/presentationml/2006/main">
-  <p:cSld>
-    <p:spTree>
-      <p:nvGrpSpPr>
-        <p:cNvPr id="1" name=""/>
-        <p:cNvGrpSpPr/>
-        <p:nvPr/>
-      </p:nvGrpSpPr>
-      <p:grpSpPr>
-        <a:xfrm>
-          <a:off x="0" y="0"/>
-          <a:ext cx="0" cy="0"/>
-          <a:chOff x="0" y="0"/>
-          <a:chExt cx="0" cy="0"/>
-        </a:xfrm>
-      </p:grpSpPr>
-      <p:sp>
-        <p:nvSpPr>
-          <p:cNvPr id="2" name="标题 1"/>
-          <p:cNvSpPr>
-            <a:spLocks noGrp="1"/>
-          </p:cNvSpPr>
-          <p:nvPr>
-            <p:ph type="title"/>
-          </p:nvPr>
-        </p:nvSpPr>
-        <p:spPr/>
-        <p:txBody>
-          <a:bodyPr/>
-          <a:lstStyle/>
-          <a:p>
-            <a:pPr algn="ctr"/>
-            <a:r>
-              <a:rPr lang="zh-CN" altLang="en-US" dirty="0" smtClean="0"/>
-              <a:t>数据预处理</a:t>
-            </a:r>
-            <a:endParaRPr lang="zh-CN" altLang="en-US" dirty="0"/>
-          </a:p>
-        </p:txBody>
-      </p:sp>
-      <p:sp>
-        <p:nvSpPr>
-          <p:cNvPr id="3" name="内容占位符 2"/>
-          <p:cNvSpPr>
-            <a:spLocks noGrp="1"/>
-          </p:cNvSpPr>
-          <p:nvPr>
-            <p:ph idx="1"/>
-          </p:nvPr>
-        </p:nvSpPr>
-        <p:spPr/>
-        <p:txBody>
-          <a:bodyPr>
-            <a:normAutofit fontScale="70000" lnSpcReduction="20000"/>
-          </a:bodyPr>
-          <a:lstStyle/>
-          <a:p>
-            <a:r>
-              <a:rPr lang="en-US" altLang="zh-CN" dirty="0" smtClean="0"/>
-              <a:t>1</a:t>
-            </a:r>
-            <a:r>
-              <a:rPr lang="zh-CN" altLang="en-US" dirty="0" smtClean="0"/>
-              <a:t>、数据分析：两个离群点，结论：删去</a:t>
-            </a:r>
-            <a:endParaRPr lang="en-US" altLang="zh-CN" dirty="0" smtClean="0"/>
-          </a:p>
-          <a:p>
-            <a:endParaRPr lang="en-US" altLang="zh-CN" dirty="0"/>
-          </a:p>
-          <a:p>
-            <a:r>
-              <a:rPr lang="en-US" altLang="zh-CN" dirty="0" smtClean="0"/>
-              <a:t>2</a:t>
-            </a:r>
-            <a:r>
-              <a:rPr lang="zh-CN" altLang="en-US" dirty="0" smtClean="0"/>
-              <a:t>、对分类变量：定序变量选择整数排列表示，非定序变量使用</a:t>
-            </a:r>
-            <a:r>
-              <a:rPr lang="en-US" altLang="zh-CN" dirty="0" err="1" smtClean="0"/>
-              <a:t>onehot</a:t>
-            </a:r>
-            <a:r>
-              <a:rPr lang="zh-CN" altLang="en-US" dirty="0" smtClean="0"/>
-              <a:t>编码。</a:t>
-            </a:r>
-            <a:endParaRPr lang="en-US" altLang="zh-CN" dirty="0" smtClean="0"/>
-          </a:p>
-          <a:p>
-            <a:r>
-              <a:rPr lang="zh-CN" altLang="en-US" dirty="0" smtClean="0"/>
-              <a:t>使用</a:t>
-            </a:r>
-            <a:r>
-              <a:rPr lang="en-US" altLang="zh-CN" dirty="0" err="1" smtClean="0"/>
-              <a:t>onehot</a:t>
-            </a:r>
-            <a:r>
-              <a:rPr lang="zh-CN" altLang="en-US" dirty="0" smtClean="0"/>
-              <a:t>原因：将离散特征通过</a:t>
-            </a:r>
-            <a:r>
-              <a:rPr lang="en-US" altLang="zh-CN" dirty="0" smtClean="0"/>
-              <a:t>one-hot</a:t>
-            </a:r>
-            <a:r>
-              <a:rPr lang="zh-CN" altLang="en-US" dirty="0" smtClean="0"/>
-              <a:t>编码映射到欧式空间，是因为，在回归，分类，聚类等机器学习算法中，特征之间距离的计算或相似度的计算是非常重要的，而我们常用的距离或相似度的计算都是在欧式空间的相似度计算。</a:t>
-            </a:r>
-          </a:p>
-          <a:p>
-            <a:r>
-              <a:rPr lang="zh-CN" altLang="en-US" dirty="0" smtClean="0"/>
-              <a:t>将离散型特征使用</a:t>
-            </a:r>
-            <a:r>
-              <a:rPr lang="en-US" altLang="zh-CN" dirty="0" smtClean="0"/>
-              <a:t>one-hot</a:t>
-            </a:r>
-            <a:r>
-              <a:rPr lang="zh-CN" altLang="en-US" dirty="0" smtClean="0"/>
-              <a:t>编码，确实会让特征之间的距离计算更加合理。比如，有一个离散型特征，代表工作类型，该离散型特征，共有三个取值，不使用</a:t>
-            </a:r>
-            <a:r>
-              <a:rPr lang="en-US" altLang="zh-CN" dirty="0" smtClean="0"/>
-              <a:t>one-hot</a:t>
-            </a:r>
-            <a:r>
-              <a:rPr lang="zh-CN" altLang="en-US" dirty="0" smtClean="0"/>
-              <a:t>编码，其表示分别是</a:t>
-            </a:r>
-            <a:r>
-              <a:rPr lang="en-US" altLang="zh-CN" dirty="0" smtClean="0"/>
-              <a:t>x_1 = (1), x_2 = (2), x_3 = (3)</a:t>
-            </a:r>
-            <a:r>
-              <a:rPr lang="zh-CN" altLang="en-US" dirty="0" smtClean="0"/>
-              <a:t>。两个工作之间的距离是，</a:t>
-            </a:r>
-            <a:r>
-              <a:rPr lang="en-US" altLang="zh-CN" dirty="0" smtClean="0"/>
-              <a:t>(x_1, x_2) = 1, d(x_2, x_3) = 1, d(x_1, x_3) = 2</a:t>
-            </a:r>
-            <a:r>
-              <a:rPr lang="zh-CN" altLang="en-US" dirty="0" smtClean="0"/>
-              <a:t>。那么</a:t>
-            </a:r>
-            <a:r>
-              <a:rPr lang="en-US" altLang="zh-CN" dirty="0" smtClean="0"/>
-              <a:t>x_1</a:t>
-            </a:r>
-            <a:r>
-              <a:rPr lang="zh-CN" altLang="en-US" dirty="0" smtClean="0"/>
-              <a:t>和</a:t>
-            </a:r>
-            <a:r>
-              <a:rPr lang="en-US" altLang="zh-CN" dirty="0" smtClean="0"/>
-              <a:t>x_3</a:t>
-            </a:r>
-            <a:r>
-              <a:rPr lang="zh-CN" altLang="en-US" dirty="0" smtClean="0"/>
-              <a:t>工作之间就越不相似吗？显然这样的表示，计算出来的特征的距离是不合理。那如果使用</a:t>
-            </a:r>
-            <a:r>
-              <a:rPr lang="en-US" altLang="zh-CN" dirty="0" smtClean="0"/>
-              <a:t>one-hot</a:t>
-            </a:r>
-            <a:r>
-              <a:rPr lang="zh-CN" altLang="en-US" dirty="0" smtClean="0"/>
-              <a:t>编码，则得到</a:t>
-            </a:r>
-            <a:r>
-              <a:rPr lang="en-US" altLang="zh-CN" dirty="0" smtClean="0"/>
-              <a:t>x_1 = (1, 0, 0), x_2 = (0, 1, 0), x_3 = (0, 0, 1)</a:t>
-            </a:r>
-            <a:r>
-              <a:rPr lang="zh-CN" altLang="en-US" dirty="0" smtClean="0"/>
-              <a:t>，那么两个工作之间的距离就都是</a:t>
-            </a:r>
-            <a:r>
-              <a:rPr lang="en-US" altLang="zh-CN" dirty="0" err="1" smtClean="0"/>
-              <a:t>sqrt</a:t>
-            </a:r>
-            <a:r>
-              <a:rPr lang="en-US" altLang="zh-CN" dirty="0" smtClean="0"/>
-              <a:t>(2).</a:t>
-            </a:r>
-            <a:r>
-              <a:rPr lang="zh-CN" altLang="en-US" dirty="0" smtClean="0"/>
-              <a:t>即每两个工作之间的距离是一样的，显得更合理。</a:t>
-            </a:r>
-            <a:endParaRPr lang="en-US" altLang="zh-CN" dirty="0" smtClean="0"/>
-          </a:p>
-          <a:p>
-            <a:endParaRPr lang="en-US" altLang="zh-CN" dirty="0"/>
-          </a:p>
-          <a:p>
-            <a:r>
-              <a:rPr lang="zh-CN" altLang="en-US" dirty="0" smtClean="0"/>
-              <a:t>不全部使用</a:t>
-            </a:r>
-            <a:r>
-              <a:rPr lang="en-US" altLang="zh-CN" dirty="0" err="1" smtClean="0"/>
-              <a:t>onehot</a:t>
-            </a:r>
-            <a:r>
-              <a:rPr lang="zh-CN" altLang="en-US" dirty="0" smtClean="0"/>
-              <a:t>原因：防止变量过多，导致拥有每一组变量对应的数据减少，模型提取出不正确的特征</a:t>
-            </a:r>
-            <a:endParaRPr lang="zh-CN" altLang="en-US" dirty="0"/>
-          </a:p>
-        </p:txBody>
-      </p:sp>
-    </p:spTree>
-    <p:extLst>
-      <p:ext uri="{BB962C8B-B14F-4D97-AF65-F5344CB8AC3E}">
-        <p14:creationId xmlns:p14="http://schemas.microsoft.com/office/powerpoint/2010/main" val="4142253973"/>
-      </p:ext>
-    </p:extLst>
-  </p:cSld>
-  <p:clrMapOvr>
-    <a:masterClrMapping/>
-  </p:clrMapOvr>
-</p:sld>
-</file>
-
-<file path=ppt/slides/slide20.xml><?xml version="1.0" encoding="utf-8"?>
+<file path=ppt/slides/slide25.xml><?xml version="1.0" encoding="utf-8"?>
 <p:sld xmlns:a="http://schemas.openxmlformats.org/drawingml/2006/main" xmlns:r="http://schemas.openxmlformats.org/officeDocument/2006/relationships" xmlns:p="http://schemas.openxmlformats.org/presentationml/2006/main">
   <p:cSld>
     <p:spTree>
@@ -4877,7 +5840,7 @@
 </p:sld>
 </file>
 
-<file path=ppt/slides/slide21.xml><?xml version="1.0" encoding="utf-8"?>
+<file path=ppt/slides/slide26.xml><?xml version="1.0" encoding="utf-8"?>
 <p:sld xmlns:a="http://schemas.openxmlformats.org/drawingml/2006/main" xmlns:r="http://schemas.openxmlformats.org/officeDocument/2006/relationships" xmlns:p="http://schemas.openxmlformats.org/presentationml/2006/main">
   <p:cSld>
     <p:spTree>
@@ -4979,7 +5942,7 @@
 </p:sld>
 </file>
 
-<file path=ppt/slides/slide22.xml><?xml version="1.0" encoding="utf-8"?>
+<file path=ppt/slides/slide27.xml><?xml version="1.0" encoding="utf-8"?>
 <p:sld xmlns:a="http://schemas.openxmlformats.org/drawingml/2006/main" xmlns:r="http://schemas.openxmlformats.org/officeDocument/2006/relationships" xmlns:p="http://schemas.openxmlformats.org/presentationml/2006/main">
   <p:cSld>
     <p:spTree>
@@ -5013,547 +5976,108 @@
           <a:p>
             <a:pPr algn="ctr"/>
             <a:r>
-              <a:rPr lang="zh-CN" altLang="en-US" dirty="0"/>
-              <a:t>连接模型</a:t>
-            </a:r>
-          </a:p>
-        </p:txBody>
-      </p:sp>
-      <mc:AlternateContent xmlns:mc="http://schemas.openxmlformats.org/markup-compatibility/2006">
-        <mc:Choice xmlns:a14="http://schemas.microsoft.com/office/drawing/2010/main" Requires="a14">
-          <p:sp>
-            <p:nvSpPr>
-              <p:cNvPr id="3" name="内容占位符 2"/>
-              <p:cNvSpPr>
-                <a:spLocks noGrp="1"/>
-              </p:cNvSpPr>
-              <p:nvPr>
-                <p:ph idx="1"/>
-              </p:nvPr>
-            </p:nvSpPr>
-            <p:spPr/>
-            <p:txBody>
-              <a:bodyPr>
-                <a:normAutofit lnSpcReduction="10000"/>
-              </a:bodyPr>
-              <a:lstStyle/>
-              <a:p>
-                <a:r>
-                  <a:rPr lang="zh-CN" altLang="en-US" dirty="0" smtClean="0"/>
-                  <a:t>“余弦定理”：</a:t>
-                </a:r>
-                <a:endParaRPr lang="en-US" altLang="zh-CN" dirty="0" smtClean="0"/>
-              </a:p>
-              <a:p>
-                <a:r>
-                  <a:rPr lang="zh-CN" altLang="en-US" dirty="0" smtClean="0"/>
-                  <a:t>给定三个点：</a:t>
-                </a:r>
-                <a:endParaRPr lang="en-US" altLang="zh-CN" dirty="0" smtClean="0"/>
-              </a:p>
-              <a:p>
-                <a:pPr marL="0" indent="0">
-                  <a:buNone/>
-                </a:pPr>
-                <a:r>
-                  <a:rPr lang="zh-CN" altLang="en-US" dirty="0"/>
-                  <a:t>真实</a:t>
-                </a:r>
-                <a:r>
-                  <a:rPr lang="zh-CN" altLang="en-US" dirty="0" smtClean="0"/>
-                  <a:t>值：</a:t>
-                </a:r>
-                <a:endParaRPr lang="en-US" altLang="zh-CN" dirty="0" smtClean="0"/>
-              </a:p>
-              <a:p>
-                <a:pPr marL="0" indent="0">
-                  <a:buNone/>
-                </a:pPr>
-                <a:r>
-                  <a:rPr lang="zh-CN" altLang="en-US" dirty="0" smtClean="0"/>
-                  <a:t>一次结果：</a:t>
-                </a:r>
-                <a:endParaRPr lang="en-US" altLang="zh-CN" dirty="0" smtClean="0"/>
-              </a:p>
-              <a:p>
-                <a:pPr marL="0" indent="0">
-                  <a:buNone/>
-                </a:pPr>
-                <a:r>
-                  <a:rPr lang="zh-CN" altLang="en-US" dirty="0" smtClean="0"/>
-                  <a:t>另一次结果：</a:t>
-                </a:r>
-                <a:endParaRPr lang="en-US" altLang="zh-CN" dirty="0" smtClean="0"/>
-              </a:p>
-              <a:p>
-                <a:pPr marL="0" indent="0">
-                  <a:buNone/>
-                </a:pPr>
-                <a:endParaRPr lang="en-US" altLang="zh-CN" dirty="0"/>
-              </a:p>
-              <a:p>
-                <a:pPr marL="0" indent="0">
-                  <a:buNone/>
-                </a:pPr>
-                <a:r>
-                  <a:rPr lang="zh-CN" altLang="en-US" dirty="0" smtClean="0"/>
-                  <a:t>从提交反馈可以得到</a:t>
-                </a:r>
-                <a:r>
-                  <a:rPr lang="en-US" altLang="zh-CN" dirty="0" smtClean="0"/>
-                  <a:t>x</a:t>
-                </a:r>
-                <a:r>
-                  <a:rPr lang="zh-CN" altLang="en-US" dirty="0" smtClean="0"/>
-                  <a:t>与</a:t>
-                </a:r>
-                <a14:m>
-                  <m:oMath xmlns:m="http://schemas.openxmlformats.org/officeDocument/2006/math">
-                    <m:sSup>
-                      <m:sSupPr>
-                        <m:ctrlPr>
-                          <a:rPr lang="zh-CN" altLang="en-US" i="1" smtClean="0">
-                            <a:latin typeface="Cambria Math" panose="02040503050406030204" pitchFamily="18" charset="0"/>
-                          </a:rPr>
-                        </m:ctrlPr>
-                      </m:sSupPr>
-                      <m:e>
-                        <m:r>
-                          <a:rPr lang="zh-CN" altLang="en-US" i="1">
-                            <a:latin typeface="Cambria Math" panose="02040503050406030204" pitchFamily="18" charset="0"/>
-                          </a:rPr>
-                          <m:t>𝑥</m:t>
-                        </m:r>
-                      </m:e>
-                      <m:sup>
-                        <m:r>
-                          <a:rPr lang="zh-CN" altLang="en-US" i="0">
-                            <a:latin typeface="Cambria Math" panose="02040503050406030204" pitchFamily="18" charset="0"/>
-                          </a:rPr>
-                          <m:t>1</m:t>
-                        </m:r>
-                      </m:sup>
-                    </m:sSup>
-                  </m:oMath>
-                </a14:m>
-                <a:r>
-                  <a:rPr lang="zh-CN" altLang="en-US" dirty="0" smtClean="0"/>
-                  <a:t>、</a:t>
-                </a:r>
-                <a:r>
-                  <a:rPr lang="zh-CN" altLang="en-US" dirty="0" smtClean="0"/>
-                  <a:t> </a:t>
-                </a:r>
-                <a14:m>
-                  <m:oMath xmlns:m="http://schemas.openxmlformats.org/officeDocument/2006/math">
-                    <m:sSup>
-                      <m:sSupPr>
-                        <m:ctrlPr>
-                          <a:rPr lang="zh-CN" altLang="en-US" i="1" smtClean="0">
-                            <a:latin typeface="Cambria Math" panose="02040503050406030204" pitchFamily="18" charset="0"/>
-                          </a:rPr>
-                        </m:ctrlPr>
-                      </m:sSupPr>
-                      <m:e>
-                        <m:r>
-                          <a:rPr lang="zh-CN" altLang="en-US" i="1">
-                            <a:latin typeface="Cambria Math" panose="02040503050406030204" pitchFamily="18" charset="0"/>
-                          </a:rPr>
-                          <m:t>𝑥</m:t>
-                        </m:r>
-                      </m:e>
-                      <m:sup>
-                        <m:r>
-                          <a:rPr lang="zh-CN" altLang="en-US" i="0">
-                            <a:latin typeface="Cambria Math" panose="02040503050406030204" pitchFamily="18" charset="0"/>
-                          </a:rPr>
-                          <m:t>2</m:t>
-                        </m:r>
-                      </m:sup>
-                    </m:sSup>
-                  </m:oMath>
-                </a14:m>
-                <a:r>
-                  <a:rPr lang="zh-CN" altLang="en-US" dirty="0" smtClean="0"/>
-                  <a:t>的距离，然后可以计算后两者之间的距离，可以得到唯一的三角形，然后可以根据余弦定理计算</a:t>
-                </a:r>
-                <a14:m>
-                  <m:oMath xmlns:m="http://schemas.openxmlformats.org/officeDocument/2006/math">
-                    <m:sSup>
-                      <m:sSupPr>
-                        <m:ctrlPr>
-                          <a:rPr lang="zh-CN" altLang="en-US" i="1" smtClean="0">
-                            <a:latin typeface="Cambria Math" panose="02040503050406030204" pitchFamily="18" charset="0"/>
-                          </a:rPr>
-                        </m:ctrlPr>
-                      </m:sSupPr>
-                      <m:e>
-                        <m:r>
-                          <a:rPr lang="zh-CN" altLang="en-US" i="1">
-                            <a:latin typeface="Cambria Math" panose="02040503050406030204" pitchFamily="18" charset="0"/>
-                          </a:rPr>
-                          <m:t>𝑥</m:t>
-                        </m:r>
-                      </m:e>
-                      <m:sup>
-                        <m:r>
-                          <a:rPr lang="zh-CN" altLang="en-US" i="0">
-                            <a:latin typeface="Cambria Math" panose="02040503050406030204" pitchFamily="18" charset="0"/>
-                          </a:rPr>
-                          <m:t>1</m:t>
-                        </m:r>
-                      </m:sup>
-                    </m:sSup>
-                  </m:oMath>
-                </a14:m>
-                <a:r>
-                  <a:rPr lang="zh-CN" altLang="en-US" dirty="0" smtClean="0"/>
-                  <a:t>、 </a:t>
-                </a:r>
-                <a14:m>
-                  <m:oMath xmlns:m="http://schemas.openxmlformats.org/officeDocument/2006/math">
-                    <m:sSup>
-                      <m:sSupPr>
-                        <m:ctrlPr>
-                          <a:rPr lang="zh-CN" altLang="en-US" i="1" smtClean="0">
-                            <a:latin typeface="Cambria Math" panose="02040503050406030204" pitchFamily="18" charset="0"/>
-                          </a:rPr>
-                        </m:ctrlPr>
-                      </m:sSupPr>
-                      <m:e>
-                        <m:r>
-                          <a:rPr lang="zh-CN" altLang="en-US" i="1">
-                            <a:latin typeface="Cambria Math" panose="02040503050406030204" pitchFamily="18" charset="0"/>
-                          </a:rPr>
-                          <m:t>𝑥</m:t>
-                        </m:r>
-                      </m:e>
-                      <m:sup>
-                        <m:r>
-                          <a:rPr lang="zh-CN" altLang="en-US" i="0">
-                            <a:latin typeface="Cambria Math" panose="02040503050406030204" pitchFamily="18" charset="0"/>
-                          </a:rPr>
-                          <m:t>2</m:t>
-                        </m:r>
-                      </m:sup>
-                    </m:sSup>
-                    <m:r>
-                      <a:rPr lang="zh-CN" altLang="en-US" i="1">
-                        <a:latin typeface="Cambria Math" panose="02040503050406030204" pitchFamily="18" charset="0"/>
-                      </a:rPr>
-                      <m:t> </m:t>
-                    </m:r>
-                  </m:oMath>
-                </a14:m>
-                <a:r>
-                  <a:rPr lang="zh-CN" altLang="en-US" dirty="0" smtClean="0"/>
-                  <a:t>到</a:t>
-                </a:r>
-                <a:r>
-                  <a:rPr lang="en-US" altLang="zh-CN" dirty="0" smtClean="0"/>
-                  <a:t>x</a:t>
-                </a:r>
-                <a:r>
-                  <a:rPr lang="zh-CN" altLang="en-US" dirty="0"/>
-                  <a:t>在</a:t>
-                </a:r>
-                <a14:m>
-                  <m:oMath xmlns:m="http://schemas.openxmlformats.org/officeDocument/2006/math">
-                    <m:sSup>
-                      <m:sSupPr>
-                        <m:ctrlPr>
-                          <a:rPr lang="zh-CN" altLang="en-US" i="1" smtClean="0">
-                            <a:latin typeface="Cambria Math" panose="02040503050406030204" pitchFamily="18" charset="0"/>
-                          </a:rPr>
-                        </m:ctrlPr>
-                      </m:sSupPr>
-                      <m:e>
-                        <m:r>
-                          <a:rPr lang="zh-CN" altLang="en-US" i="1">
-                            <a:latin typeface="Cambria Math" panose="02040503050406030204" pitchFamily="18" charset="0"/>
-                          </a:rPr>
-                          <m:t>𝑥</m:t>
-                        </m:r>
-                      </m:e>
-                      <m:sup>
-                        <m:r>
-                          <a:rPr lang="zh-CN" altLang="en-US" i="0">
-                            <a:latin typeface="Cambria Math" panose="02040503050406030204" pitchFamily="18" charset="0"/>
-                          </a:rPr>
-                          <m:t>1</m:t>
-                        </m:r>
-                      </m:sup>
-                    </m:sSup>
-                  </m:oMath>
-                </a14:m>
-                <a:r>
-                  <a:rPr lang="zh-CN" altLang="en-US" dirty="0" smtClean="0"/>
-                  <a:t>、 </a:t>
-                </a:r>
-                <a14:m>
-                  <m:oMath xmlns:m="http://schemas.openxmlformats.org/officeDocument/2006/math">
-                    <m:sSup>
-                      <m:sSupPr>
-                        <m:ctrlPr>
-                          <a:rPr lang="zh-CN" altLang="en-US" i="1" smtClean="0">
-                            <a:latin typeface="Cambria Math" panose="02040503050406030204" pitchFamily="18" charset="0"/>
-                          </a:rPr>
-                        </m:ctrlPr>
-                      </m:sSupPr>
-                      <m:e>
-                        <m:r>
-                          <a:rPr lang="zh-CN" altLang="en-US" i="1">
-                            <a:latin typeface="Cambria Math" panose="02040503050406030204" pitchFamily="18" charset="0"/>
-                          </a:rPr>
-                          <m:t>𝑥</m:t>
-                        </m:r>
-                      </m:e>
-                      <m:sup>
-                        <m:r>
-                          <a:rPr lang="zh-CN" altLang="en-US" i="0">
-                            <a:latin typeface="Cambria Math" panose="02040503050406030204" pitchFamily="18" charset="0"/>
-                          </a:rPr>
-                          <m:t>2</m:t>
-                        </m:r>
-                      </m:sup>
-                    </m:sSup>
-                  </m:oMath>
-                </a14:m>
-                <a:r>
-                  <a:rPr lang="zh-CN" altLang="en-US" dirty="0" smtClean="0"/>
-                  <a:t>连线上投影的距离，从而得到</a:t>
-                </a:r>
-                <a14:m>
-                  <m:oMath xmlns:m="http://schemas.openxmlformats.org/officeDocument/2006/math">
-                    <m:sSup>
-                      <m:sSupPr>
-                        <m:ctrlPr>
-                          <a:rPr lang="zh-CN" altLang="en-US" i="1" smtClean="0">
-                            <a:latin typeface="Cambria Math" panose="02040503050406030204" pitchFamily="18" charset="0"/>
-                          </a:rPr>
-                        </m:ctrlPr>
-                      </m:sSupPr>
-                      <m:e>
-                        <m:r>
-                          <a:rPr lang="zh-CN" altLang="en-US" i="1">
-                            <a:latin typeface="Cambria Math" panose="02040503050406030204" pitchFamily="18" charset="0"/>
-                          </a:rPr>
-                          <m:t>𝑥</m:t>
-                        </m:r>
-                      </m:e>
-                      <m:sup>
-                        <m:r>
-                          <a:rPr lang="zh-CN" altLang="en-US" i="0">
-                            <a:latin typeface="Cambria Math" panose="02040503050406030204" pitchFamily="18" charset="0"/>
-                          </a:rPr>
-                          <m:t>1</m:t>
-                        </m:r>
-                      </m:sup>
-                    </m:sSup>
-                  </m:oMath>
-                </a14:m>
-                <a:r>
-                  <a:rPr lang="zh-CN" altLang="en-US" dirty="0" smtClean="0"/>
-                  <a:t>、 </a:t>
-                </a:r>
-                <a14:m>
-                  <m:oMath xmlns:m="http://schemas.openxmlformats.org/officeDocument/2006/math">
-                    <m:sSup>
-                      <m:sSupPr>
-                        <m:ctrlPr>
-                          <a:rPr lang="zh-CN" altLang="en-US" i="1" smtClean="0">
-                            <a:latin typeface="Cambria Math" panose="02040503050406030204" pitchFamily="18" charset="0"/>
-                          </a:rPr>
-                        </m:ctrlPr>
-                      </m:sSupPr>
-                      <m:e>
-                        <m:r>
-                          <a:rPr lang="zh-CN" altLang="en-US" i="1">
-                            <a:latin typeface="Cambria Math" panose="02040503050406030204" pitchFamily="18" charset="0"/>
-                          </a:rPr>
-                          <m:t>𝑥</m:t>
-                        </m:r>
-                      </m:e>
-                      <m:sup>
-                        <m:r>
-                          <a:rPr lang="zh-CN" altLang="en-US" i="0">
-                            <a:latin typeface="Cambria Math" panose="02040503050406030204" pitchFamily="18" charset="0"/>
-                          </a:rPr>
-                          <m:t>2</m:t>
-                        </m:r>
-                      </m:sup>
-                    </m:sSup>
-                  </m:oMath>
-                </a14:m>
-                <a:r>
-                  <a:rPr lang="zh-CN" altLang="en-US" dirty="0" smtClean="0"/>
-                  <a:t>连线上离</a:t>
-                </a:r>
-                <a:r>
-                  <a:rPr lang="en-US" altLang="zh-CN" dirty="0" smtClean="0"/>
-                  <a:t>x</a:t>
-                </a:r>
-                <a:r>
-                  <a:rPr lang="zh-CN" altLang="en-US" dirty="0" smtClean="0"/>
-                  <a:t>距离最近的点</a:t>
-                </a:r>
-                <a:endParaRPr lang="en-US" altLang="zh-CN" dirty="0"/>
-              </a:p>
-            </p:txBody>
-          </p:sp>
-        </mc:Choice>
-        <mc:Fallback>
-          <p:sp>
-            <p:nvSpPr>
-              <p:cNvPr id="3" name="内容占位符 2"/>
-              <p:cNvSpPr>
-                <a:spLocks noGrp="1" noRot="1" noChangeAspect="1" noMove="1" noResize="1" noEditPoints="1" noAdjustHandles="1" noChangeArrowheads="1" noChangeShapeType="1" noTextEdit="1"/>
-              </p:cNvSpPr>
-              <p:nvPr>
-                <p:ph idx="1"/>
-              </p:nvPr>
-            </p:nvSpPr>
-            <p:spPr>
-              <a:blipFill>
-                <a:blip r:embed="rId2"/>
-                <a:stretch>
-                  <a:fillRect l="-1217" t="-3221" r="-754" b="-2101"/>
-                </a:stretch>
-              </a:blipFill>
-            </p:spPr>
-            <p:txBody>
-              <a:bodyPr/>
-              <a:lstStyle/>
-              <a:p>
-                <a:r>
-                  <a:rPr lang="zh-CN" altLang="en-US">
-                    <a:noFill/>
-                  </a:rPr>
-                  <a:t> </a:t>
-                </a:r>
-              </a:p>
-            </p:txBody>
-          </p:sp>
-        </mc:Fallback>
-      </mc:AlternateContent>
+              <a:rPr lang="zh-CN" altLang="en-US" dirty="0" smtClean="0"/>
+              <a:t>后续处理</a:t>
+            </a:r>
+            <a:r>
+              <a:rPr lang="en-US" altLang="zh-CN" dirty="0" smtClean="0"/>
+              <a:t>——stacking</a:t>
+            </a:r>
+            <a:endParaRPr lang="zh-CN" altLang="en-US" dirty="0"/>
+          </a:p>
+        </p:txBody>
+      </p:sp>
+      <p:sp>
+        <p:nvSpPr>
+          <p:cNvPr id="3" name="内容占位符 2"/>
+          <p:cNvSpPr>
+            <a:spLocks noGrp="1"/>
+          </p:cNvSpPr>
+          <p:nvPr>
+            <p:ph idx="1"/>
+          </p:nvPr>
+        </p:nvSpPr>
+        <p:spPr/>
+        <p:txBody>
+          <a:bodyPr/>
+          <a:lstStyle/>
+          <a:p>
+            <a:r>
+              <a:rPr lang="zh-CN" altLang="en-US" dirty="0" smtClean="0"/>
+              <a:t>目的：连接模型，来达到单一模型无法达到的好结果</a:t>
+            </a:r>
+            <a:endParaRPr lang="en-US" altLang="zh-CN" dirty="0" smtClean="0"/>
+          </a:p>
+          <a:p>
+            <a:endParaRPr lang="en-US" altLang="zh-CN" dirty="0"/>
+          </a:p>
+          <a:p>
+            <a:endParaRPr lang="en-US" altLang="zh-CN" dirty="0" smtClean="0"/>
+          </a:p>
+          <a:p>
+            <a:r>
+              <a:rPr lang="zh-CN" altLang="en-US" dirty="0" smtClean="0"/>
+              <a:t>原理：</a:t>
+            </a:r>
+            <a:endParaRPr lang="zh-CN" altLang="en-US" dirty="0"/>
+          </a:p>
+        </p:txBody>
+      </p:sp>
       <p:pic>
         <p:nvPicPr>
-          <p:cNvPr id="4" name="图片 3"/>
+          <p:cNvPr id="1026" name="Picture 2" descr="preview"/>
           <p:cNvPicPr>
-            <a:picLocks noChangeAspect="1"/>
+            <a:picLocks noChangeAspect="1" noChangeArrowheads="1"/>
           </p:cNvPicPr>
           <p:nvPr/>
         </p:nvPicPr>
         <p:blipFill>
-          <a:blip r:embed="rId3"/>
+          <a:blip r:embed="rId2">
+            <a:extLst>
+              <a:ext uri="{28A0092B-C50C-407E-A947-70E740481C1C}">
+                <a14:useLocalDpi xmlns:a14="http://schemas.microsoft.com/office/drawing/2010/main" val="0"/>
+              </a:ext>
+            </a:extLst>
+          </a:blip>
+          <a:srcRect/>
           <a:stretch>
             <a:fillRect/>
           </a:stretch>
         </p:blipFill>
-        <p:spPr>
+        <p:spPr bwMode="auto">
           <a:xfrm>
-            <a:off x="2373761" y="2713382"/>
-            <a:ext cx="2972549" cy="625146"/>
+            <a:off x="2501900" y="3340165"/>
+            <a:ext cx="8851900" cy="2224919"/>
           </a:xfrm>
           <a:prstGeom prst="rect">
             <a:avLst/>
           </a:prstGeom>
+          <a:noFill/>
+          <a:extLst>
+            <a:ext uri="{909E8E84-426E-40DD-AFC4-6F175D3DCCD1}">
+              <a14:hiddenFill xmlns:a14="http://schemas.microsoft.com/office/drawing/2010/main">
+                <a:solidFill>
+                  <a:srgbClr val="FFFFFF"/>
+                </a:solidFill>
+              </a14:hiddenFill>
+            </a:ext>
+          </a:extLst>
         </p:spPr>
       </p:pic>
-      <p:pic>
-        <p:nvPicPr>
-          <p:cNvPr id="5" name="图片 4"/>
-          <p:cNvPicPr>
-            <a:picLocks noChangeAspect="1"/>
-          </p:cNvPicPr>
-          <p:nvPr/>
-        </p:nvPicPr>
-        <p:blipFill>
-          <a:blip r:embed="rId4"/>
-          <a:stretch>
-            <a:fillRect/>
-          </a:stretch>
-        </p:blipFill>
-        <p:spPr>
-          <a:xfrm>
-            <a:off x="2728473" y="3337659"/>
-            <a:ext cx="3040125" cy="590889"/>
-          </a:xfrm>
-          <a:prstGeom prst="rect">
-            <a:avLst/>
-          </a:prstGeom>
-        </p:spPr>
-      </p:pic>
-      <p:pic>
-        <p:nvPicPr>
-          <p:cNvPr id="6" name="图片 5"/>
-          <p:cNvPicPr>
-            <a:picLocks noChangeAspect="1"/>
-          </p:cNvPicPr>
-          <p:nvPr/>
-        </p:nvPicPr>
-        <p:blipFill>
-          <a:blip r:embed="rId5"/>
-          <a:stretch>
-            <a:fillRect/>
-          </a:stretch>
-        </p:blipFill>
-        <p:spPr>
-          <a:xfrm>
-            <a:off x="3110412" y="3768041"/>
-            <a:ext cx="3757527" cy="694260"/>
-          </a:xfrm>
-          <a:prstGeom prst="rect">
-            <a:avLst/>
-          </a:prstGeom>
-        </p:spPr>
-      </p:pic>
-      <p:sp>
-        <p:nvSpPr>
-          <p:cNvPr id="8" name="矩形 7"/>
-          <p:cNvSpPr/>
-          <p:nvPr/>
-        </p:nvSpPr>
-        <p:spPr>
-          <a:xfrm>
-            <a:off x="4670421" y="4911612"/>
-            <a:ext cx="184731" cy="369332"/>
-          </a:xfrm>
-          <a:prstGeom prst="rect">
-            <a:avLst/>
-          </a:prstGeom>
-        </p:spPr>
-        <p:txBody>
-          <a:bodyPr wrap="none">
-            <a:spAutoFit/>
-          </a:bodyPr>
-          <a:lstStyle/>
-          <a:p>
-            <a:endParaRPr lang="zh-CN" altLang="en-US" dirty="0"/>
-          </a:p>
-        </p:txBody>
-      </p:sp>
     </p:spTree>
     <p:extLst>
       <p:ext uri="{BB962C8B-B14F-4D97-AF65-F5344CB8AC3E}">
-        <p14:creationId xmlns:p14="http://schemas.microsoft.com/office/powerpoint/2010/main" val="3306020627"/>
+        <p14:creationId xmlns:p14="http://schemas.microsoft.com/office/powerpoint/2010/main" val="3081273797"/>
       </p:ext>
     </p:extLst>
   </p:cSld>
   <p:clrMapOvr>
     <a:masterClrMapping/>
   </p:clrMapOvr>
-  <p:timing>
-    <p:tnLst>
-      <p:par>
-        <p:cTn id="1" dur="indefinite" restart="never" nodeType="tmRoot"/>
-      </p:par>
-    </p:tnLst>
-  </p:timing>
 </p:sld>
 </file>
 
-<file path=ppt/slides/slide23.xml><?xml version="1.0" encoding="utf-8"?>
+<file path=ppt/slides/slide28.xml><?xml version="1.0" encoding="utf-8"?>
 <p:sld xmlns:a="http://schemas.openxmlformats.org/drawingml/2006/main" xmlns:r="http://schemas.openxmlformats.org/officeDocument/2006/relationships" xmlns:p="http://schemas.openxmlformats.org/presentationml/2006/main">
   <p:cSld>
     <p:spTree>
@@ -5588,6 +6112,301 @@
             <a:pPr algn="ctr"/>
             <a:r>
               <a:rPr lang="zh-CN" altLang="en-US" dirty="0" smtClean="0"/>
+              <a:t>后续处理</a:t>
+            </a:r>
+            <a:r>
+              <a:rPr lang="en-US" altLang="zh-CN" dirty="0" smtClean="0"/>
+              <a:t>——stacking</a:t>
+            </a:r>
+            <a:endParaRPr lang="zh-CN" altLang="en-US" dirty="0"/>
+          </a:p>
+        </p:txBody>
+      </p:sp>
+      <p:sp>
+        <p:nvSpPr>
+          <p:cNvPr id="3" name="内容占位符 2"/>
+          <p:cNvSpPr>
+            <a:spLocks noGrp="1"/>
+          </p:cNvSpPr>
+          <p:nvPr>
+            <p:ph idx="1"/>
+          </p:nvPr>
+        </p:nvSpPr>
+        <p:spPr/>
+        <p:txBody>
+          <a:bodyPr>
+            <a:normAutofit lnSpcReduction="10000"/>
+          </a:bodyPr>
+          <a:lstStyle/>
+          <a:p>
+            <a:r>
+              <a:rPr lang="zh-CN" altLang="en-US" dirty="0" smtClean="0"/>
+              <a:t>步骤：</a:t>
+            </a:r>
+            <a:endParaRPr lang="en-US" altLang="zh-CN" dirty="0" smtClean="0"/>
+          </a:p>
+          <a:p>
+            <a:r>
+              <a:rPr lang="en-US" altLang="zh-CN" dirty="0" smtClean="0"/>
+              <a:t>1</a:t>
+            </a:r>
+            <a:r>
+              <a:rPr lang="zh-CN" altLang="en-US" dirty="0" smtClean="0"/>
+              <a:t>、将初始数据输入该算法：模型、</a:t>
+            </a:r>
+            <a:r>
+              <a:rPr lang="en-US" altLang="zh-CN" dirty="0" smtClean="0"/>
+              <a:t>train data</a:t>
+            </a:r>
+            <a:r>
+              <a:rPr lang="zh-CN" altLang="en-US" dirty="0" smtClean="0"/>
+              <a:t>、</a:t>
+            </a:r>
+            <a:r>
+              <a:rPr lang="en-US" altLang="zh-CN" dirty="0" smtClean="0"/>
+              <a:t>test data</a:t>
+            </a:r>
+          </a:p>
+          <a:p>
+            <a:r>
+              <a:rPr lang="en-US" altLang="zh-CN" dirty="0"/>
+              <a:t>2</a:t>
+            </a:r>
+            <a:r>
+              <a:rPr lang="zh-CN" altLang="en-US" dirty="0" smtClean="0"/>
+              <a:t>、将</a:t>
+            </a:r>
+            <a:r>
+              <a:rPr lang="en-US" altLang="zh-CN" dirty="0" smtClean="0"/>
+              <a:t>train data</a:t>
+            </a:r>
+            <a:r>
+              <a:rPr lang="zh-CN" altLang="en-US" dirty="0" smtClean="0"/>
+              <a:t>划分为</a:t>
+            </a:r>
+            <a:r>
+              <a:rPr lang="en-US" altLang="zh-CN" dirty="0" smtClean="0"/>
+              <a:t>k</a:t>
+            </a:r>
+            <a:r>
+              <a:rPr lang="zh-CN" altLang="en-US" dirty="0" smtClean="0"/>
+              <a:t>个</a:t>
+            </a:r>
+            <a:r>
+              <a:rPr lang="en-US" altLang="zh-CN" dirty="0" smtClean="0"/>
+              <a:t>fold</a:t>
+            </a:r>
+            <a:r>
+              <a:rPr lang="zh-CN" altLang="en-US" dirty="0" smtClean="0"/>
+              <a:t>，</a:t>
+            </a:r>
+            <a:r>
+              <a:rPr lang="en-US" altLang="zh-CN" dirty="0" smtClean="0"/>
+              <a:t>test data</a:t>
+            </a:r>
+            <a:r>
+              <a:rPr lang="zh-CN" altLang="en-US" dirty="0" smtClean="0"/>
+              <a:t>不变</a:t>
+            </a:r>
+            <a:endParaRPr lang="en-US" altLang="zh-CN" dirty="0" smtClean="0"/>
+          </a:p>
+          <a:p>
+            <a:r>
+              <a:rPr lang="en-US" altLang="zh-CN" dirty="0"/>
+              <a:t>3</a:t>
+            </a:r>
+            <a:r>
+              <a:rPr lang="zh-CN" altLang="en-US" dirty="0" smtClean="0"/>
+              <a:t>、对每个</a:t>
+            </a:r>
+            <a:r>
+              <a:rPr lang="en-US" altLang="zh-CN" dirty="0" smtClean="0"/>
+              <a:t>fold</a:t>
+            </a:r>
+            <a:r>
+              <a:rPr lang="zh-CN" altLang="en-US" dirty="0" smtClean="0"/>
+              <a:t>训练一个模型</a:t>
+            </a:r>
+            <a:endParaRPr lang="en-US" altLang="zh-CN" dirty="0" smtClean="0"/>
+          </a:p>
+          <a:p>
+            <a:r>
+              <a:rPr lang="en-US" altLang="zh-CN" dirty="0"/>
+              <a:t>4</a:t>
+            </a:r>
+            <a:r>
+              <a:rPr lang="zh-CN" altLang="en-US" dirty="0" smtClean="0"/>
+              <a:t>、例如将</a:t>
+            </a:r>
+            <a:r>
+              <a:rPr lang="en-US" altLang="zh-CN" dirty="0" smtClean="0"/>
+              <a:t>k</a:t>
+            </a:r>
+            <a:r>
+              <a:rPr lang="zh-CN" altLang="en-US" dirty="0" smtClean="0"/>
+              <a:t>取为</a:t>
+            </a:r>
+            <a:r>
+              <a:rPr lang="en-US" altLang="zh-CN" dirty="0" smtClean="0"/>
+              <a:t>5</a:t>
+            </a:r>
+            <a:r>
+              <a:rPr lang="zh-CN" altLang="en-US" dirty="0" smtClean="0"/>
+              <a:t>，就是利用其中</a:t>
+            </a:r>
+            <a:r>
+              <a:rPr lang="en-US" altLang="zh-CN" dirty="0" smtClean="0"/>
+              <a:t>4</a:t>
+            </a:r>
+            <a:r>
+              <a:rPr lang="zh-CN" altLang="en-US" dirty="0" smtClean="0"/>
+              <a:t>个</a:t>
+            </a:r>
+            <a:r>
+              <a:rPr lang="en-US" altLang="zh-CN" dirty="0" smtClean="0"/>
+              <a:t>fold</a:t>
+            </a:r>
+            <a:r>
+              <a:rPr lang="zh-CN" altLang="en-US" dirty="0"/>
+              <a:t>训练出</a:t>
+            </a:r>
+            <a:r>
+              <a:rPr lang="zh-CN" altLang="en-US" dirty="0" smtClean="0"/>
+              <a:t>的模型分别输出剩下一个</a:t>
+            </a:r>
+            <a:r>
+              <a:rPr lang="en-US" altLang="zh-CN" dirty="0" smtClean="0"/>
+              <a:t>fold</a:t>
+            </a:r>
+            <a:r>
+              <a:rPr lang="zh-CN" altLang="en-US" dirty="0" smtClean="0"/>
+              <a:t>的值，连接这五个预测值形成新训练集</a:t>
+            </a:r>
+            <a:endParaRPr lang="en-US" altLang="zh-CN" dirty="0" smtClean="0"/>
+          </a:p>
+          <a:p>
+            <a:r>
+              <a:rPr lang="en-US" altLang="zh-CN" dirty="0"/>
+              <a:t>5</a:t>
+            </a:r>
+            <a:r>
+              <a:rPr lang="zh-CN" altLang="en-US" dirty="0" smtClean="0"/>
+              <a:t>、将之前训练出的</a:t>
+            </a:r>
+            <a:r>
+              <a:rPr lang="en-US" altLang="zh-CN" dirty="0" smtClean="0"/>
+              <a:t>5</a:t>
+            </a:r>
+            <a:r>
+              <a:rPr lang="zh-CN" altLang="en-US" dirty="0" smtClean="0"/>
+              <a:t>个模型分别对</a:t>
+            </a:r>
+            <a:r>
+              <a:rPr lang="en-US" altLang="zh-CN" dirty="0" smtClean="0"/>
+              <a:t>test data</a:t>
+            </a:r>
+            <a:r>
+              <a:rPr lang="zh-CN" altLang="en-US" dirty="0" smtClean="0"/>
+              <a:t>进行预测并取均值，作为新的测试集</a:t>
+            </a:r>
+            <a:endParaRPr lang="en-US" altLang="zh-CN" dirty="0" smtClean="0"/>
+          </a:p>
+          <a:p>
+            <a:r>
+              <a:rPr lang="en-US" altLang="zh-CN" dirty="0" smtClean="0"/>
+              <a:t>6</a:t>
+            </a:r>
+            <a:r>
+              <a:rPr lang="zh-CN" altLang="en-US" dirty="0" smtClean="0"/>
+              <a:t>、将新模型、新训练集（来自</a:t>
+            </a:r>
+            <a:r>
+              <a:rPr lang="en-US" altLang="zh-CN" dirty="0" smtClean="0"/>
+              <a:t>4</a:t>
+            </a:r>
+            <a:r>
+              <a:rPr lang="zh-CN" altLang="en-US" dirty="0" smtClean="0"/>
+              <a:t>）、新测试集（来自</a:t>
+            </a:r>
+            <a:r>
+              <a:rPr lang="en-US" altLang="zh-CN" dirty="0" smtClean="0"/>
+              <a:t>5</a:t>
+            </a:r>
+            <a:r>
+              <a:rPr lang="zh-CN" altLang="en-US" dirty="0" smtClean="0"/>
+              <a:t>）输入算法，重复</a:t>
+            </a:r>
+            <a:r>
+              <a:rPr lang="en-US" altLang="zh-CN" dirty="0" smtClean="0"/>
+              <a:t>1</a:t>
+            </a:r>
+            <a:r>
+              <a:rPr lang="zh-CN" altLang="en-US" dirty="0" smtClean="0"/>
+              <a:t>到</a:t>
+            </a:r>
+            <a:r>
+              <a:rPr lang="en-US" altLang="zh-CN" dirty="0" smtClean="0"/>
+              <a:t>6</a:t>
+            </a:r>
+            <a:r>
+              <a:rPr lang="zh-CN" altLang="en-US" dirty="0" smtClean="0"/>
+              <a:t>，知道没有新模型</a:t>
+            </a:r>
+            <a:endParaRPr lang="en-US" altLang="zh-CN" dirty="0" smtClean="0"/>
+          </a:p>
+          <a:p>
+            <a:endParaRPr lang="en-US" altLang="zh-CN" dirty="0"/>
+          </a:p>
+        </p:txBody>
+      </p:sp>
+    </p:spTree>
+    <p:extLst>
+      <p:ext uri="{BB962C8B-B14F-4D97-AF65-F5344CB8AC3E}">
+        <p14:creationId xmlns:p14="http://schemas.microsoft.com/office/powerpoint/2010/main" val="2815651993"/>
+      </p:ext>
+    </p:extLst>
+  </p:cSld>
+  <p:clrMapOvr>
+    <a:masterClrMapping/>
+  </p:clrMapOvr>
+</p:sld>
+</file>
+
+<file path=ppt/slides/slide29.xml><?xml version="1.0" encoding="utf-8"?>
+<p:sld xmlns:a="http://schemas.openxmlformats.org/drawingml/2006/main" xmlns:r="http://schemas.openxmlformats.org/officeDocument/2006/relationships" xmlns:p="http://schemas.openxmlformats.org/presentationml/2006/main">
+  <p:cSld>
+    <p:spTree>
+      <p:nvGrpSpPr>
+        <p:cNvPr id="1" name=""/>
+        <p:cNvGrpSpPr/>
+        <p:nvPr/>
+      </p:nvGrpSpPr>
+      <p:grpSpPr>
+        <a:xfrm>
+          <a:off x="0" y="0"/>
+          <a:ext cx="0" cy="0"/>
+          <a:chOff x="0" y="0"/>
+          <a:chExt cx="0" cy="0"/>
+        </a:xfrm>
+      </p:grpSpPr>
+      <p:sp>
+        <p:nvSpPr>
+          <p:cNvPr id="2" name="标题 1"/>
+          <p:cNvSpPr>
+            <a:spLocks noGrp="1"/>
+          </p:cNvSpPr>
+          <p:nvPr>
+            <p:ph type="title"/>
+          </p:nvPr>
+        </p:nvSpPr>
+        <p:spPr/>
+        <p:txBody>
+          <a:bodyPr/>
+          <a:lstStyle/>
+          <a:p>
+            <a:pPr algn="ctr"/>
+            <a:r>
+              <a:rPr lang="zh-CN" altLang="en-US" dirty="0" smtClean="0"/>
               <a:t>最终成果与总结</a:t>
             </a:r>
             <a:endParaRPr lang="zh-CN" altLang="en-US" dirty="0"/>
@@ -5607,7 +6426,7 @@
         <p:spPr/>
         <p:txBody>
           <a:bodyPr>
-            <a:normAutofit fontScale="85000" lnSpcReduction="20000"/>
+            <a:normAutofit fontScale="92500" lnSpcReduction="20000"/>
           </a:bodyPr>
           <a:lstStyle/>
           <a:p>
@@ -5621,8 +6440,9 @@
             </a:r>
             <a:r>
               <a:rPr lang="en-US" altLang="zh-CN" dirty="0" smtClean="0"/>
-              <a:t>19481</a:t>
-            </a:r>
+              <a:t>18393</a:t>
+            </a:r>
+            <a:endParaRPr lang="en-US" altLang="zh-CN" dirty="0" smtClean="0"/>
           </a:p>
           <a:p>
             <a:endParaRPr lang="en-US" altLang="zh-CN" dirty="0"/>
@@ -5630,7 +6450,7 @@
           <a:p>
             <a:r>
               <a:rPr lang="zh-CN" altLang="en-US" dirty="0" smtClean="0"/>
-              <a:t>总结：</a:t>
+              <a:t>总结与反思：</a:t>
             </a:r>
             <a:endParaRPr lang="en-US" altLang="zh-CN" dirty="0" smtClean="0"/>
           </a:p>
@@ -5684,7 +6504,19 @@
             </a:r>
             <a:r>
               <a:rPr lang="zh-CN" altLang="en-US" dirty="0" smtClean="0"/>
-              <a:t>，然而效果并不明显，在实际使用中，</a:t>
+              <a:t>处理（</a:t>
+            </a:r>
+            <a:r>
+              <a:rPr lang="en-US" altLang="zh-CN" dirty="0" err="1" smtClean="0"/>
+              <a:t>eg</a:t>
+            </a:r>
+            <a:r>
+              <a:rPr lang="zh-CN" altLang="en-US" smtClean="0"/>
+              <a:t>文科女、理科男），</a:t>
+            </a:r>
+            <a:r>
+              <a:rPr lang="zh-CN" altLang="en-US" dirty="0" smtClean="0"/>
+              <a:t>然而效果并不明显，在实际使用中，</a:t>
             </a:r>
             <a:r>
               <a:rPr lang="en-US" altLang="zh-CN" dirty="0" smtClean="0"/>
@@ -5736,21 +6568,6 @@
             <a:r>
               <a:rPr lang="zh-CN" altLang="en-US" dirty="0" smtClean="0"/>
               <a:t>的时间都花在了数据预处理上面</a:t>
-            </a:r>
-            <a:endParaRPr lang="en-US" altLang="zh-CN" dirty="0" smtClean="0"/>
-          </a:p>
-          <a:p>
-            <a:r>
-              <a:rPr lang="en-US" altLang="zh-CN" dirty="0"/>
-              <a:t>4</a:t>
-            </a:r>
-            <a:r>
-              <a:rPr lang="zh-CN" altLang="en-US" dirty="0" smtClean="0"/>
-              <a:t>、“发明”了“余弦定理”</a:t>
-            </a:r>
-            <a:r>
-              <a:rPr lang="zh-CN" altLang="en-US" smtClean="0"/>
-              <a:t>的方法，是否是另一种集成学习呢（笑）</a:t>
             </a:r>
             <a:endParaRPr lang="en-US" altLang="zh-CN" dirty="0" smtClean="0"/>
           </a:p>
@@ -5814,7 +6631,7 @@
             <a:pPr algn="ctr"/>
             <a:r>
               <a:rPr lang="zh-CN" altLang="en-US" dirty="0" smtClean="0"/>
-              <a:t>数据挖掘算法的选择</a:t>
+              <a:t>数据准备</a:t>
             </a:r>
             <a:endParaRPr lang="zh-CN" altLang="en-US" dirty="0"/>
           </a:p>
@@ -5832,102 +6649,155 @@
         </p:nvSpPr>
         <p:spPr/>
         <p:txBody>
-          <a:bodyPr>
-            <a:normAutofit fontScale="77500" lnSpcReduction="20000"/>
-          </a:bodyPr>
-          <a:lstStyle/>
-          <a:p>
-            <a:r>
-              <a:rPr lang="en-US" altLang="zh-CN" dirty="0" err="1" smtClean="0"/>
-              <a:t>Ols</a:t>
-            </a:r>
-            <a:endParaRPr lang="en-US" altLang="zh-CN" dirty="0" smtClean="0"/>
-          </a:p>
-          <a:p>
-            <a:endParaRPr lang="en-US" altLang="zh-CN" dirty="0"/>
-          </a:p>
-          <a:p>
-            <a:r>
-              <a:rPr lang="en-US" altLang="zh-CN" dirty="0" err="1" smtClean="0"/>
-              <a:t>Elasticnet</a:t>
-            </a:r>
-            <a:endParaRPr lang="en-US" altLang="zh-CN" dirty="0" smtClean="0"/>
-          </a:p>
-          <a:p>
-            <a:endParaRPr lang="en-US" altLang="zh-CN" dirty="0"/>
-          </a:p>
-          <a:p>
-            <a:r>
-              <a:rPr lang="en-US" altLang="zh-CN" dirty="0" smtClean="0"/>
-              <a:t>Lasso</a:t>
-            </a:r>
-          </a:p>
-          <a:p>
-            <a:endParaRPr lang="en-US" altLang="zh-CN" dirty="0"/>
-          </a:p>
-          <a:p>
-            <a:r>
-              <a:rPr lang="en-US" altLang="zh-CN" dirty="0" err="1" smtClean="0"/>
-              <a:t>Nerual</a:t>
-            </a:r>
-            <a:r>
-              <a:rPr lang="en-US" altLang="zh-CN" dirty="0" smtClean="0"/>
-              <a:t> network</a:t>
-            </a:r>
-          </a:p>
-          <a:p>
-            <a:endParaRPr lang="en-US" altLang="zh-CN" dirty="0" smtClean="0"/>
-          </a:p>
-          <a:p>
-            <a:r>
-              <a:rPr lang="en-US" altLang="zh-CN" dirty="0" smtClean="0"/>
-              <a:t>gradient boost</a:t>
-            </a:r>
-          </a:p>
-          <a:p>
-            <a:endParaRPr lang="en-US" altLang="zh-CN" dirty="0" smtClean="0"/>
-          </a:p>
-          <a:p>
-            <a:endParaRPr lang="en-US" altLang="zh-CN" dirty="0"/>
-          </a:p>
-          <a:p>
-            <a:r>
-              <a:rPr lang="en-US" altLang="zh-CN" dirty="0" err="1" smtClean="0"/>
-              <a:t>Xgboost</a:t>
-            </a:r>
-            <a:endParaRPr lang="en-US" altLang="zh-CN" dirty="0" smtClean="0"/>
-          </a:p>
-          <a:p>
-            <a:endParaRPr lang="en-US" altLang="zh-CN" dirty="0" smtClean="0"/>
-          </a:p>
-          <a:p>
-            <a:endParaRPr lang="en-US" altLang="zh-CN" dirty="0"/>
-          </a:p>
-          <a:p>
-            <a:pPr marL="0" indent="0">
-              <a:buNone/>
-            </a:pPr>
-            <a:endParaRPr lang="en-US" altLang="zh-CN" dirty="0" smtClean="0"/>
+          <a:bodyPr/>
+          <a:lstStyle/>
+          <a:p>
+            <a:r>
+              <a:rPr lang="en-US" altLang="zh-CN" dirty="0" smtClean="0"/>
+              <a:t>1460</a:t>
+            </a:r>
+            <a:r>
+              <a:rPr lang="zh-CN" altLang="en-US" dirty="0" smtClean="0"/>
+              <a:t>条记录，其中</a:t>
+            </a:r>
+            <a:r>
+              <a:rPr lang="en-US" altLang="zh-CN" dirty="0" smtClean="0"/>
+              <a:t>1160</a:t>
+            </a:r>
+            <a:r>
+              <a:rPr lang="zh-CN" altLang="en-US" dirty="0" smtClean="0"/>
+              <a:t>个</a:t>
+            </a:r>
+            <a:r>
+              <a:rPr lang="en-US" altLang="zh-CN" dirty="0" smtClean="0"/>
+              <a:t>train data</a:t>
+            </a:r>
+            <a:r>
+              <a:rPr lang="zh-CN" altLang="en-US" dirty="0" smtClean="0"/>
+              <a:t>，</a:t>
+            </a:r>
+            <a:r>
+              <a:rPr lang="en-US" altLang="zh-CN" dirty="0" smtClean="0"/>
+              <a:t>300</a:t>
+            </a:r>
+            <a:r>
+              <a:rPr lang="zh-CN" altLang="en-US" dirty="0" smtClean="0"/>
+              <a:t>个</a:t>
+            </a:r>
+            <a:r>
+              <a:rPr lang="en-US" altLang="zh-CN" dirty="0" smtClean="0"/>
+              <a:t>test data</a:t>
+            </a:r>
+          </a:p>
+          <a:p>
+            <a:endParaRPr lang="en-US" altLang="zh-CN" dirty="0" smtClean="0"/>
+          </a:p>
+          <a:p>
+            <a:endParaRPr lang="en-US" altLang="zh-CN" dirty="0" smtClean="0"/>
+          </a:p>
+          <a:p>
+            <a:r>
+              <a:rPr lang="en-US" altLang="zh-CN" dirty="0" smtClean="0"/>
+              <a:t>77</a:t>
+            </a:r>
+            <a:r>
+              <a:rPr lang="zh-CN" altLang="en-US" dirty="0"/>
+              <a:t>个</a:t>
+            </a:r>
+            <a:r>
+              <a:rPr lang="zh-CN" altLang="en-US" dirty="0" smtClean="0"/>
+              <a:t>属性：</a:t>
+            </a:r>
+            <a:endParaRPr lang="en-US" altLang="zh-CN" dirty="0" smtClean="0"/>
+          </a:p>
+          <a:p>
+            <a:r>
+              <a:rPr lang="en-US" altLang="zh-CN" dirty="0" smtClean="0"/>
+              <a:t>34</a:t>
+            </a:r>
+            <a:r>
+              <a:rPr lang="zh-CN" altLang="en-US" dirty="0"/>
+              <a:t>个定比</a:t>
+            </a:r>
+            <a:r>
+              <a:rPr lang="zh-CN" altLang="en-US" dirty="0" smtClean="0"/>
+              <a:t>变量</a:t>
+            </a:r>
+            <a:r>
+              <a:rPr lang="zh-CN" altLang="en-US" dirty="0"/>
+              <a:t>：</a:t>
+            </a:r>
+            <a:r>
+              <a:rPr lang="zh-CN" altLang="en-US" dirty="0" smtClean="0"/>
+              <a:t>地上</a:t>
+            </a:r>
+            <a:r>
+              <a:rPr lang="zh-CN" altLang="en-US" dirty="0"/>
+              <a:t>居住面积、地下室面积、车库停车位数</a:t>
+            </a:r>
+            <a:r>
+              <a:rPr lang="zh-CN" altLang="en-US" dirty="0" smtClean="0"/>
+              <a:t>量</a:t>
+            </a:r>
+            <a:endParaRPr lang="en-US" altLang="zh-CN" dirty="0" smtClean="0"/>
+          </a:p>
+          <a:p>
+            <a:r>
+              <a:rPr lang="en-US" altLang="zh-CN" dirty="0" smtClean="0"/>
+              <a:t>22</a:t>
+            </a:r>
+            <a:r>
+              <a:rPr lang="zh-CN" altLang="en-US" dirty="0"/>
+              <a:t>个定序</a:t>
+            </a:r>
+            <a:r>
+              <a:rPr lang="zh-CN" altLang="en-US" dirty="0" smtClean="0"/>
+              <a:t>变量：如</a:t>
+            </a:r>
+            <a:r>
+              <a:rPr lang="zh-CN" altLang="en-US" dirty="0"/>
+              <a:t>房屋外层结构的维持状态、地下室</a:t>
+            </a:r>
+            <a:r>
+              <a:rPr lang="zh-CN" altLang="en-US" dirty="0" smtClean="0"/>
+              <a:t>状态</a:t>
+            </a:r>
+            <a:endParaRPr lang="en-US" altLang="zh-CN" dirty="0" smtClean="0"/>
+          </a:p>
+          <a:p>
+            <a:r>
+              <a:rPr lang="en-US" altLang="zh-CN" dirty="0" smtClean="0"/>
+              <a:t>21</a:t>
+            </a:r>
+            <a:r>
+              <a:rPr lang="zh-CN" altLang="en-US" dirty="0"/>
+              <a:t>个定类</a:t>
+            </a:r>
+            <a:r>
+              <a:rPr lang="zh-CN" altLang="en-US" dirty="0" smtClean="0"/>
+              <a:t>变量：如</a:t>
+            </a:r>
+            <a:r>
+              <a:rPr lang="zh-CN" altLang="en-US" dirty="0"/>
+              <a:t>房屋所属地段的</a:t>
+            </a:r>
+            <a:r>
+              <a:rPr lang="zh-CN" altLang="en-US" dirty="0" smtClean="0"/>
+              <a:t>类别</a:t>
+            </a:r>
           </a:p>
         </p:txBody>
       </p:sp>
     </p:spTree>
     <p:extLst>
       <p:ext uri="{BB962C8B-B14F-4D97-AF65-F5344CB8AC3E}">
-        <p14:creationId xmlns:p14="http://schemas.microsoft.com/office/powerpoint/2010/main" val="1526561472"/>
+        <p14:creationId xmlns:p14="http://schemas.microsoft.com/office/powerpoint/2010/main" val="547798353"/>
       </p:ext>
     </p:extLst>
   </p:cSld>
   <p:clrMapOvr>
     <a:masterClrMapping/>
   </p:clrMapOvr>
-  <p:timing>
-    <p:tnLst>
-      <p:par>
-        <p:cTn id="1" dur="indefinite" restart="never" nodeType="tmRoot"/>
-      </p:par>
-    </p:tnLst>
-  </p:timing>
 </p:sld>
 </file>
 
@@ -5966,7 +6836,15 @@
             <a:pPr algn="ctr"/>
             <a:r>
               <a:rPr lang="zh-CN" altLang="en-US" dirty="0" smtClean="0"/>
-              <a:t>线性模型</a:t>
+              <a:t>数据预处理</a:t>
+            </a:r>
+            <a:r>
+              <a:rPr lang="en-US" altLang="zh-CN" dirty="0"/>
+              <a:t>——</a:t>
+            </a:r>
+            <a:r>
+              <a:rPr lang="zh-CN" altLang="en-US" dirty="0" smtClean="0"/>
+              <a:t>缺失值处理</a:t>
             </a:r>
             <a:endParaRPr lang="zh-CN" altLang="en-US" dirty="0"/>
           </a:p>
@@ -5984,23 +6862,78 @@
         </p:nvSpPr>
         <p:spPr/>
         <p:txBody>
-          <a:bodyPr/>
-          <a:lstStyle/>
-          <a:p>
+          <a:bodyPr>
+            <a:normAutofit fontScale="62500" lnSpcReduction="20000"/>
+          </a:bodyPr>
+          <a:lstStyle/>
+          <a:p>
+            <a:r>
+              <a:rPr lang="zh-CN" altLang="en-US" sz="3600" dirty="0" smtClean="0"/>
+              <a:t>补全缺失</a:t>
+            </a:r>
+            <a:r>
+              <a:rPr lang="zh-CN" altLang="en-US" dirty="0" smtClean="0"/>
+              <a:t>：</a:t>
+            </a:r>
+            <a:endParaRPr lang="en-US" altLang="zh-CN" dirty="0" smtClean="0"/>
+          </a:p>
+          <a:p>
+            <a:endParaRPr lang="en-US" altLang="zh-CN" dirty="0" smtClean="0"/>
+          </a:p>
+          <a:p>
+            <a:r>
+              <a:rPr lang="zh-CN" altLang="en-US" dirty="0"/>
+              <a:t>定</a:t>
+            </a:r>
+            <a:r>
+              <a:rPr lang="zh-CN" altLang="en-US" dirty="0" smtClean="0"/>
+              <a:t>比变量：</a:t>
+            </a:r>
+            <a:r>
+              <a:rPr lang="zh-CN" altLang="en-US" dirty="0" smtClean="0"/>
+              <a:t>因为缺失值较少，</a:t>
+            </a:r>
+            <a:r>
+              <a:rPr lang="zh-CN" altLang="en-US" dirty="0" smtClean="0"/>
+              <a:t>简单</a:t>
+            </a:r>
+            <a:r>
+              <a:rPr lang="zh-CN" altLang="en-US" dirty="0"/>
+              <a:t>地以均值代替</a:t>
+            </a:r>
+            <a:r>
+              <a:rPr lang="zh-CN" altLang="en-US" dirty="0" smtClean="0"/>
+              <a:t>之</a:t>
+            </a:r>
+            <a:endParaRPr lang="en-US" altLang="zh-CN" dirty="0" smtClean="0"/>
+          </a:p>
+          <a:p>
+            <a:endParaRPr lang="en-US" altLang="zh-CN" dirty="0" smtClean="0"/>
+          </a:p>
+          <a:p>
+            <a:r>
+              <a:rPr lang="zh-CN" altLang="en-US" dirty="0" smtClean="0"/>
+              <a:t>定序变量：</a:t>
+            </a:r>
             <a:r>
               <a:rPr lang="en-US" altLang="zh-CN" dirty="0" err="1" smtClean="0"/>
-              <a:t>Ols</a:t>
-            </a:r>
-            <a:r>
-              <a:rPr lang="zh-CN" altLang="en-US" dirty="0" smtClean="0"/>
-              <a:t>：最简单且基础的模型。</a:t>
-            </a:r>
-            <a:endParaRPr lang="en-US" altLang="zh-CN" dirty="0" smtClean="0"/>
-          </a:p>
-          <a:p>
-            <a:r>
-              <a:rPr lang="zh-CN" altLang="en-US" dirty="0" smtClean="0"/>
-              <a:t>核心：</a:t>
+              <a:t>e.g</a:t>
+            </a:r>
+            <a:r>
+              <a:rPr lang="en-US" altLang="zh-CN" dirty="0" smtClean="0"/>
+              <a:t>:</a:t>
+            </a:r>
+            <a:r>
+              <a:rPr lang="zh-CN" altLang="en-US" dirty="0" smtClean="0"/>
+              <a:t>对</a:t>
+            </a:r>
+            <a:r>
+              <a:rPr lang="zh-CN" altLang="en-US" dirty="0"/>
+              <a:t>地下室状态的</a:t>
+            </a:r>
+            <a:r>
+              <a:rPr lang="zh-CN" altLang="en-US" dirty="0" smtClean="0"/>
+              <a:t>评价：如果缺失则是没有这些设备，按最低的评价处理</a:t>
             </a:r>
             <a:endParaRPr lang="en-US" altLang="zh-CN" dirty="0" smtClean="0"/>
           </a:p>
@@ -6008,54 +6941,100 @@
             <a:endParaRPr lang="en-US" altLang="zh-CN" dirty="0"/>
           </a:p>
           <a:p>
-            <a:endParaRPr lang="en-US" altLang="zh-CN" dirty="0" smtClean="0"/>
-          </a:p>
-          <a:p>
-            <a:endParaRPr lang="en-US" altLang="zh-CN" dirty="0" smtClean="0"/>
-          </a:p>
-        </p:txBody>
-      </p:sp>
-      <p:pic>
-        <p:nvPicPr>
-          <p:cNvPr id="15" name="图片 14"/>
-          <p:cNvPicPr>
-            <a:picLocks noChangeAspect="1"/>
-          </p:cNvPicPr>
-          <p:nvPr/>
-        </p:nvPicPr>
-        <p:blipFill>
-          <a:blip r:embed="rId2"/>
-          <a:stretch>
-            <a:fillRect/>
-          </a:stretch>
-        </p:blipFill>
-        <p:spPr>
-          <a:xfrm>
-            <a:off x="2390378" y="2467277"/>
-            <a:ext cx="8963422" cy="2850157"/>
-          </a:xfrm>
-          <a:prstGeom prst="rect">
-            <a:avLst/>
-          </a:prstGeom>
-        </p:spPr>
-      </p:pic>
+            <a:r>
+              <a:rPr lang="zh-CN" altLang="en-US" dirty="0" smtClean="0"/>
+              <a:t>定类变量：有些</a:t>
+            </a:r>
+            <a:r>
+              <a:rPr lang="zh-CN" altLang="en-US" dirty="0"/>
+              <a:t>属性值显示</a:t>
+            </a:r>
+            <a:r>
+              <a:rPr lang="zh-CN" altLang="en-US" dirty="0" smtClean="0"/>
+              <a:t>为</a:t>
+            </a:r>
+            <a:r>
+              <a:rPr lang="en-US" altLang="zh-CN" dirty="0" smtClean="0"/>
+              <a:t>“NA”</a:t>
+            </a:r>
+            <a:r>
+              <a:rPr lang="zh-CN" altLang="en-US" dirty="0" smtClean="0"/>
+              <a:t>，</a:t>
+            </a:r>
+            <a:r>
+              <a:rPr lang="zh-CN" altLang="en-US" dirty="0"/>
+              <a:t>但其实并不代表数据缺失。例如</a:t>
+            </a:r>
+            <a:r>
+              <a:rPr lang="zh-CN" altLang="en-US" dirty="0" smtClean="0"/>
+              <a:t>，</a:t>
+            </a:r>
+            <a:r>
+              <a:rPr lang="en-US" altLang="zh-CN" dirty="0" smtClean="0"/>
+              <a:t>“Alley”</a:t>
+            </a:r>
+            <a:r>
+              <a:rPr lang="zh-CN" altLang="en-US" dirty="0" smtClean="0"/>
+              <a:t>变量</a:t>
+            </a:r>
+            <a:r>
+              <a:rPr lang="zh-CN" altLang="en-US" dirty="0"/>
+              <a:t>代表“连接到房屋的后街的类型”，若房屋不与后街相连则显示</a:t>
+            </a:r>
+            <a:r>
+              <a:rPr lang="zh-CN" altLang="en-US" dirty="0" smtClean="0"/>
+              <a:t>为</a:t>
+            </a:r>
+            <a:r>
+              <a:rPr lang="en-US" altLang="zh-CN" dirty="0" smtClean="0"/>
+              <a:t>“NA”</a:t>
+            </a:r>
+            <a:r>
+              <a:rPr lang="zh-CN" altLang="en-US" dirty="0" smtClean="0"/>
+              <a:t>。处理方式：如无特定描述，则将</a:t>
+            </a:r>
+            <a:r>
+              <a:rPr lang="en-US" altLang="zh-CN" dirty="0" smtClean="0"/>
+              <a:t>NA</a:t>
+            </a:r>
+            <a:r>
+              <a:rPr lang="zh-CN" altLang="en-US" dirty="0" smtClean="0"/>
+              <a:t>看做独立的一类</a:t>
+            </a:r>
+            <a:endParaRPr lang="en-US" altLang="zh-CN" dirty="0" smtClean="0"/>
+          </a:p>
+          <a:p>
+            <a:endParaRPr lang="en-US" altLang="zh-CN" sz="3600" dirty="0" smtClean="0"/>
+          </a:p>
+          <a:p>
+            <a:r>
+              <a:rPr lang="zh-CN" altLang="en-US" sz="3600" dirty="0" smtClean="0"/>
+              <a:t>删去变量：</a:t>
+            </a:r>
+            <a:endParaRPr lang="en-US" altLang="zh-CN" sz="3600" dirty="0" smtClean="0"/>
+          </a:p>
+          <a:p>
+            <a:endParaRPr lang="en-US" altLang="zh-CN" dirty="0"/>
+          </a:p>
+          <a:p>
+            <a:r>
+              <a:rPr lang="zh-CN" altLang="en-US" dirty="0" smtClean="0"/>
+              <a:t>车库建造年份，一来不少房屋在这一变量上有缺失，二来通过相关性检查发现相关性并不高，所以删去该变量</a:t>
+            </a:r>
+            <a:endParaRPr lang="en-US" altLang="zh-CN" dirty="0"/>
+          </a:p>
+        </p:txBody>
+      </p:sp>
     </p:spTree>
     <p:extLst>
       <p:ext uri="{BB962C8B-B14F-4D97-AF65-F5344CB8AC3E}">
-        <p14:creationId xmlns:p14="http://schemas.microsoft.com/office/powerpoint/2010/main" val="1867304928"/>
+        <p14:creationId xmlns:p14="http://schemas.microsoft.com/office/powerpoint/2010/main" val="4142253973"/>
       </p:ext>
     </p:extLst>
   </p:cSld>
   <p:clrMapOvr>
     <a:masterClrMapping/>
   </p:clrMapOvr>
-  <p:timing>
-    <p:tnLst>
-      <p:par>
-        <p:cTn id="1" dur="indefinite" restart="never" nodeType="tmRoot"/>
-      </p:par>
-    </p:tnLst>
-  </p:timing>
 </p:sld>
 </file>
 
@@ -6094,133 +7073,225 @@
             <a:pPr algn="ctr"/>
             <a:r>
               <a:rPr lang="zh-CN" altLang="en-US" dirty="0" smtClean="0"/>
-              <a:t>线性模型</a:t>
+              <a:t>数据预处理</a:t>
+            </a:r>
+            <a:r>
+              <a:rPr lang="en-US" altLang="zh-CN" dirty="0" smtClean="0"/>
+              <a:t>——</a:t>
+            </a:r>
+            <a:r>
+              <a:rPr lang="zh-CN" altLang="en-US" dirty="0" smtClean="0"/>
+              <a:t>变量数值化</a:t>
             </a:r>
             <a:endParaRPr lang="zh-CN" altLang="en-US" dirty="0"/>
           </a:p>
         </p:txBody>
       </p:sp>
-      <p:pic>
-        <p:nvPicPr>
-          <p:cNvPr id="6" name="内容占位符 5"/>
-          <p:cNvPicPr>
-            <a:picLocks noGrp="1" noChangeAspect="1"/>
-          </p:cNvPicPr>
+      <p:sp>
+        <p:nvSpPr>
+          <p:cNvPr id="3" name="内容占位符 2"/>
+          <p:cNvSpPr>
+            <a:spLocks noGrp="1"/>
+          </p:cNvSpPr>
           <p:nvPr>
             <p:ph idx="1"/>
           </p:nvPr>
-        </p:nvPicPr>
-        <p:blipFill>
-          <a:blip r:embed="rId2"/>
-          <a:stretch>
-            <a:fillRect/>
-          </a:stretch>
-        </p:blipFill>
-        <p:spPr>
-          <a:xfrm>
-            <a:off x="1162050" y="5067299"/>
-            <a:ext cx="10020300" cy="1247775"/>
-          </a:xfrm>
-          <a:prstGeom prst="rect">
-            <a:avLst/>
-          </a:prstGeom>
-        </p:spPr>
-      </p:pic>
-      <p:pic>
-        <p:nvPicPr>
-          <p:cNvPr id="4" name="图片 3"/>
-          <p:cNvPicPr>
-            <a:picLocks noChangeAspect="1"/>
-          </p:cNvPicPr>
-          <p:nvPr/>
-        </p:nvPicPr>
-        <p:blipFill>
-          <a:blip r:embed="rId3"/>
-          <a:stretch>
-            <a:fillRect/>
-          </a:stretch>
-        </p:blipFill>
-        <p:spPr>
-          <a:xfrm>
-            <a:off x="1162050" y="1690688"/>
-            <a:ext cx="6162675" cy="914400"/>
-          </a:xfrm>
-          <a:prstGeom prst="rect">
-            <a:avLst/>
-          </a:prstGeom>
-        </p:spPr>
-      </p:pic>
-      <p:pic>
-        <p:nvPicPr>
-          <p:cNvPr id="5" name="图片 4"/>
-          <p:cNvPicPr>
-            <a:picLocks noChangeAspect="1"/>
-          </p:cNvPicPr>
-          <p:nvPr/>
-        </p:nvPicPr>
-        <p:blipFill>
-          <a:blip r:embed="rId4"/>
-          <a:stretch>
-            <a:fillRect/>
-          </a:stretch>
-        </p:blipFill>
-        <p:spPr>
-          <a:xfrm>
-            <a:off x="1162050" y="2874962"/>
-            <a:ext cx="4933950" cy="2057400"/>
-          </a:xfrm>
-          <a:prstGeom prst="rect">
-            <a:avLst/>
-          </a:prstGeom>
-        </p:spPr>
-      </p:pic>
-      <p:sp>
-        <p:nvSpPr>
-          <p:cNvPr id="7" name="文本框 6"/>
-          <p:cNvSpPr txBox="1"/>
-          <p:nvPr/>
-        </p:nvSpPr>
-        <p:spPr>
-          <a:xfrm>
-            <a:off x="7245625" y="1963222"/>
-            <a:ext cx="3936725" cy="461665"/>
-          </a:xfrm>
-          <a:prstGeom prst="rect">
-            <a:avLst/>
-          </a:prstGeom>
-          <a:noFill/>
-        </p:spPr>
-        <p:txBody>
-          <a:bodyPr wrap="square" rtlCol="0">
-            <a:spAutoFit/>
+        </p:nvSpPr>
+        <p:spPr/>
+        <p:txBody>
+          <a:bodyPr>
+            <a:normAutofit fontScale="70000" lnSpcReduction="20000"/>
           </a:bodyPr>
           <a:lstStyle/>
           <a:p>
-            <a:r>
-              <a:rPr lang="zh-CN" altLang="en-US" sz="2400" dirty="0" smtClean="0"/>
-              <a:t>目的是使得误差函数尽量小</a:t>
-            </a:r>
-            <a:endParaRPr lang="zh-CN" altLang="en-US" sz="2400" dirty="0"/>
+            <a:pPr marL="0" indent="0">
+              <a:buNone/>
+            </a:pPr>
+            <a:endParaRPr lang="en-US" altLang="zh-CN" dirty="0"/>
+          </a:p>
+          <a:p>
+            <a:r>
+              <a:rPr lang="zh-CN" altLang="en-US" dirty="0" smtClean="0"/>
+              <a:t>对</a:t>
+            </a:r>
+            <a:r>
+              <a:rPr lang="zh-CN" altLang="en-US" dirty="0"/>
+              <a:t>分类变量：定序变量选择整数排列表示，非定序变量使用</a:t>
+            </a:r>
+            <a:r>
+              <a:rPr lang="en-US" altLang="zh-CN" dirty="0" err="1"/>
+              <a:t>onehot</a:t>
+            </a:r>
+            <a:r>
+              <a:rPr lang="zh-CN" altLang="en-US" dirty="0"/>
+              <a:t>编码</a:t>
+            </a:r>
+            <a:r>
+              <a:rPr lang="zh-CN" altLang="en-US" dirty="0" smtClean="0"/>
+              <a:t>。</a:t>
+            </a:r>
+            <a:endParaRPr lang="en-US" altLang="zh-CN" dirty="0" smtClean="0"/>
+          </a:p>
+          <a:p>
+            <a:r>
+              <a:rPr lang="zh-CN" altLang="en-US" dirty="0" smtClean="0"/>
+              <a:t>特例：</a:t>
+            </a:r>
+            <a:r>
+              <a:rPr lang="zh-CN" altLang="en-US" dirty="0"/>
+              <a:t>车库类别</a:t>
+            </a:r>
+            <a:r>
+              <a:rPr lang="zh-CN" altLang="en-US" dirty="0" smtClean="0"/>
+              <a:t>” </a:t>
+            </a:r>
+            <a:endParaRPr lang="en-US" altLang="zh-CN" dirty="0"/>
+          </a:p>
+          <a:p>
+            <a:r>
+              <a:rPr lang="zh-CN" altLang="en-US" dirty="0"/>
+              <a:t>使用</a:t>
+            </a:r>
+            <a:r>
+              <a:rPr lang="en-US" altLang="zh-CN" dirty="0" err="1"/>
+              <a:t>onehot</a:t>
+            </a:r>
+            <a:r>
+              <a:rPr lang="zh-CN" altLang="en-US" dirty="0"/>
+              <a:t>原因：将离散特征通过</a:t>
+            </a:r>
+            <a:r>
+              <a:rPr lang="en-US" altLang="zh-CN" dirty="0"/>
+              <a:t>one-hot</a:t>
+            </a:r>
+            <a:r>
+              <a:rPr lang="zh-CN" altLang="en-US" dirty="0"/>
+              <a:t>编码映射到欧式空间</a:t>
+            </a:r>
+            <a:r>
+              <a:rPr lang="zh-CN" altLang="en-US" dirty="0" smtClean="0"/>
+              <a:t>，我们</a:t>
+            </a:r>
+            <a:r>
+              <a:rPr lang="zh-CN" altLang="en-US" dirty="0"/>
+              <a:t>常用的距离或相似度的计算都是在欧式空间的相似度计算。</a:t>
+            </a:r>
+          </a:p>
+          <a:p>
+            <a:r>
+              <a:rPr lang="zh-CN" altLang="en-US" dirty="0"/>
+              <a:t>将离散型特征使用</a:t>
+            </a:r>
+            <a:r>
+              <a:rPr lang="en-US" altLang="zh-CN" dirty="0"/>
+              <a:t>one-hot</a:t>
+            </a:r>
+            <a:r>
+              <a:rPr lang="zh-CN" altLang="en-US" dirty="0"/>
+              <a:t>编码，确实会让特征之间的距离计算更加合理。比如，有一个离散型特征，代表工作类型，该离散型特征，共有三个取值，不使用</a:t>
+            </a:r>
+            <a:r>
+              <a:rPr lang="en-US" altLang="zh-CN" dirty="0"/>
+              <a:t>one-hot</a:t>
+            </a:r>
+            <a:r>
+              <a:rPr lang="zh-CN" altLang="en-US" dirty="0"/>
+              <a:t>编码，其表示分别是</a:t>
+            </a:r>
+            <a:r>
+              <a:rPr lang="en-US" altLang="zh-CN" dirty="0"/>
+              <a:t>x_1 = (1), x_2 = (2), x_3 = (3)</a:t>
+            </a:r>
+            <a:r>
+              <a:rPr lang="zh-CN" altLang="en-US" dirty="0"/>
+              <a:t>。两个工作之间的距离是，</a:t>
+            </a:r>
+            <a:r>
+              <a:rPr lang="en-US" altLang="zh-CN" dirty="0"/>
+              <a:t>(x_1, x_2) = 1, d(x_2, x_3) = 1, d(x_1, x_3) = 2</a:t>
+            </a:r>
+            <a:r>
+              <a:rPr lang="zh-CN" altLang="en-US" dirty="0"/>
+              <a:t>。那么</a:t>
+            </a:r>
+            <a:r>
+              <a:rPr lang="en-US" altLang="zh-CN" dirty="0"/>
+              <a:t>x_1</a:t>
+            </a:r>
+            <a:r>
+              <a:rPr lang="zh-CN" altLang="en-US" dirty="0"/>
+              <a:t>和</a:t>
+            </a:r>
+            <a:r>
+              <a:rPr lang="en-US" altLang="zh-CN" dirty="0"/>
+              <a:t>x_3</a:t>
+            </a:r>
+            <a:r>
+              <a:rPr lang="zh-CN" altLang="en-US" dirty="0"/>
+              <a:t>工作之间就越不相似吗？显然这样的表示，计算出来的特征的距离是不合理。那如果使用</a:t>
+            </a:r>
+            <a:r>
+              <a:rPr lang="en-US" altLang="zh-CN" dirty="0"/>
+              <a:t>one-hot</a:t>
+            </a:r>
+            <a:r>
+              <a:rPr lang="zh-CN" altLang="en-US" dirty="0"/>
+              <a:t>编码，则得到</a:t>
+            </a:r>
+            <a:r>
+              <a:rPr lang="en-US" altLang="zh-CN" dirty="0"/>
+              <a:t>x_1 = (1, 0, 0), x_2 = (0, 1, 0), x_3 = (0, 0, 1)</a:t>
+            </a:r>
+            <a:r>
+              <a:rPr lang="zh-CN" altLang="en-US" dirty="0"/>
+              <a:t>，那么两个工作之间的距离就都是</a:t>
+            </a:r>
+            <a:r>
+              <a:rPr lang="en-US" altLang="zh-CN" dirty="0" err="1"/>
+              <a:t>sqrt</a:t>
+            </a:r>
+            <a:r>
+              <a:rPr lang="en-US" altLang="zh-CN" dirty="0"/>
+              <a:t>(2).</a:t>
+            </a:r>
+            <a:r>
+              <a:rPr lang="zh-CN" altLang="en-US" dirty="0"/>
+              <a:t>即每两个工作之间的距离是一样的，显得更合理。</a:t>
+            </a:r>
+            <a:endParaRPr lang="en-US" altLang="zh-CN" dirty="0"/>
+          </a:p>
+          <a:p>
+            <a:endParaRPr lang="en-US" altLang="zh-CN" dirty="0"/>
+          </a:p>
+          <a:p>
+            <a:r>
+              <a:rPr lang="zh-CN" altLang="en-US" dirty="0"/>
+              <a:t>不全部使用</a:t>
+            </a:r>
+            <a:r>
+              <a:rPr lang="en-US" altLang="zh-CN" dirty="0" err="1"/>
+              <a:t>onehot</a:t>
+            </a:r>
+            <a:r>
+              <a:rPr lang="zh-CN" altLang="en-US" dirty="0"/>
+              <a:t>原因：防止变量过多，导致拥有每一组变量对应的数据减少，模型提取出不正确的特征</a:t>
+            </a:r>
+          </a:p>
+          <a:p>
+            <a:endParaRPr lang="zh-CN" altLang="en-US" dirty="0"/>
           </a:p>
         </p:txBody>
       </p:sp>
     </p:spTree>
     <p:extLst>
       <p:ext uri="{BB962C8B-B14F-4D97-AF65-F5344CB8AC3E}">
-        <p14:creationId xmlns:p14="http://schemas.microsoft.com/office/powerpoint/2010/main" val="2359220739"/>
+        <p14:creationId xmlns:p14="http://schemas.microsoft.com/office/powerpoint/2010/main" val="1450892921"/>
       </p:ext>
     </p:extLst>
   </p:cSld>
   <p:clrMapOvr>
     <a:masterClrMapping/>
   </p:clrMapOvr>
-  <p:timing>
-    <p:tnLst>
-      <p:par>
-        <p:cTn id="1" dur="indefinite" restart="never" nodeType="tmRoot"/>
-      </p:par>
-    </p:tnLst>
-  </p:timing>
 </p:sld>
 </file>
 
@@ -6258,173 +7329,138 @@
           <a:p>
             <a:pPr algn="ctr"/>
             <a:r>
+              <a:rPr lang="zh-CN" altLang="en-US" dirty="0" smtClean="0"/>
+              <a:t>数据预处理</a:t>
+            </a:r>
+            <a:r>
+              <a:rPr lang="en-US" altLang="zh-CN" dirty="0" smtClean="0"/>
+              <a:t>——</a:t>
+            </a:r>
+            <a:r>
+              <a:rPr lang="zh-CN" altLang="en-US" dirty="0" smtClean="0"/>
+              <a:t>构建新变量</a:t>
+            </a:r>
+            <a:endParaRPr lang="zh-CN" altLang="en-US" dirty="0"/>
+          </a:p>
+        </p:txBody>
+      </p:sp>
+      <p:sp>
+        <p:nvSpPr>
+          <p:cNvPr id="3" name="内容占位符 2"/>
+          <p:cNvSpPr>
+            <a:spLocks noGrp="1"/>
+          </p:cNvSpPr>
+          <p:nvPr>
+            <p:ph idx="1"/>
+          </p:nvPr>
+        </p:nvSpPr>
+        <p:spPr/>
+        <p:txBody>
+          <a:bodyPr>
+            <a:normAutofit lnSpcReduction="10000"/>
+          </a:bodyPr>
+          <a:lstStyle/>
+          <a:p>
+            <a:r>
+              <a:rPr lang="zh-CN" altLang="en-US" dirty="0" smtClean="0"/>
+              <a:t>（</a:t>
+            </a:r>
+            <a:r>
+              <a:rPr lang="en-US" altLang="zh-CN" dirty="0"/>
+              <a:t>1</a:t>
+            </a:r>
+            <a:r>
               <a:rPr lang="zh-CN" altLang="en-US" dirty="0"/>
-              <a:t>线性模型</a:t>
-            </a:r>
-          </a:p>
-        </p:txBody>
-      </p:sp>
-      <p:sp>
-        <p:nvSpPr>
-          <p:cNvPr id="3" name="内容占位符 2"/>
-          <p:cNvSpPr>
-            <a:spLocks noGrp="1"/>
-          </p:cNvSpPr>
-          <p:nvPr>
-            <p:ph idx="1"/>
-          </p:nvPr>
-        </p:nvSpPr>
-        <p:spPr/>
-        <p:txBody>
-          <a:bodyPr/>
-          <a:lstStyle/>
-          <a:p>
-            <a:r>
-              <a:rPr lang="en-US" altLang="zh-CN" dirty="0" err="1" smtClean="0"/>
-              <a:t>Ols</a:t>
-            </a:r>
-            <a:r>
-              <a:rPr lang="zh-CN" altLang="en-US" dirty="0" smtClean="0"/>
-              <a:t>问题：</a:t>
-            </a:r>
-            <a:r>
-              <a:rPr lang="en-US" altLang="zh-CN" dirty="0" smtClean="0"/>
-              <a:t>rank(x)</a:t>
-            </a:r>
-            <a:r>
-              <a:rPr lang="zh-CN" altLang="en-US" dirty="0" smtClean="0"/>
-              <a:t>并不经常等于</a:t>
-            </a:r>
-            <a:r>
-              <a:rPr lang="en-US" altLang="zh-CN" dirty="0" smtClean="0"/>
-              <a:t>p</a:t>
-            </a:r>
-            <a:r>
-              <a:rPr lang="zh-CN" altLang="en-US" dirty="0" smtClean="0"/>
-              <a:t>，这时               并不存在</a:t>
-            </a:r>
-            <a:endParaRPr lang="en-US" altLang="zh-CN" dirty="0" smtClean="0"/>
-          </a:p>
-          <a:p>
+              <a:t>）对各类评价得分进行加权平均或交互相乘，得到综合评价</a:t>
+            </a:r>
+            <a:r>
+              <a:rPr lang="zh-CN" altLang="en-US" dirty="0" smtClean="0"/>
+              <a:t>。</a:t>
+            </a:r>
+            <a:r>
+              <a:rPr lang="zh-CN" altLang="en-US" dirty="0"/>
+              <a:t>例如</a:t>
+            </a:r>
+            <a:r>
+              <a:rPr lang="zh-CN" altLang="en-US" dirty="0" smtClean="0"/>
+              <a:t>停车</a:t>
+            </a:r>
+            <a:r>
+              <a:rPr lang="zh-CN" altLang="en-US" dirty="0"/>
+              <a:t>位数量、车库种类、车库建造完成情况三个变量都描述的是车库的状况，我们把这三个变量加权平均，得到了对车库的总体</a:t>
+            </a:r>
+            <a:r>
+              <a:rPr lang="zh-CN" altLang="en-US" dirty="0" smtClean="0"/>
+              <a:t>评价</a:t>
+            </a:r>
             <a:endParaRPr lang="en-US" altLang="zh-CN" dirty="0"/>
           </a:p>
           <a:p>
-            <a:r>
-              <a:rPr lang="zh-CN" altLang="en-US" dirty="0" smtClean="0"/>
-              <a:t>解决方法：</a:t>
-            </a:r>
-            <a:endParaRPr lang="en-US" altLang="zh-CN" dirty="0" smtClean="0"/>
-          </a:p>
-          <a:p>
-            <a:r>
-              <a:rPr lang="en-US" altLang="zh-CN" dirty="0" smtClean="0"/>
-              <a:t>ridge</a:t>
-            </a:r>
-            <a:endParaRPr lang="en-US" altLang="zh-CN" dirty="0"/>
-          </a:p>
-          <a:p>
-            <a:endParaRPr lang="en-US" altLang="zh-CN" dirty="0" smtClean="0"/>
-          </a:p>
-          <a:p>
-            <a:pPr marL="0" indent="0">
-              <a:buNone/>
-            </a:pPr>
-            <a:endParaRPr lang="en-US" altLang="zh-CN" dirty="0" smtClean="0"/>
-          </a:p>
-          <a:p>
+            <a:endParaRPr lang="en-US" altLang="zh-CN" dirty="0" smtClean="0"/>
+          </a:p>
+          <a:p>
+            <a:r>
+              <a:rPr lang="zh-CN" altLang="en-US" dirty="0" smtClean="0"/>
+              <a:t>（</a:t>
+            </a:r>
+            <a:r>
+              <a:rPr lang="en-US" altLang="zh-CN" dirty="0"/>
+              <a:t>2</a:t>
+            </a:r>
+            <a:r>
+              <a:rPr lang="zh-CN" altLang="en-US" dirty="0" smtClean="0"/>
+              <a:t>）合零散于一体：例如</a:t>
+            </a:r>
+            <a:r>
+              <a:rPr lang="zh-CN" altLang="en-US" dirty="0"/>
+              <a:t>将地上、地下的房间数相加，得到房间总数等；</a:t>
+            </a:r>
+          </a:p>
+          <a:p>
+            <a:endParaRPr lang="en-US" altLang="zh-CN" dirty="0" smtClean="0"/>
+          </a:p>
+          <a:p>
+            <a:r>
+              <a:rPr lang="zh-CN" altLang="en-US" dirty="0" smtClean="0"/>
+              <a:t>（</a:t>
+            </a:r>
+            <a:r>
+              <a:rPr lang="en-US" altLang="zh-CN" dirty="0"/>
+              <a:t>3</a:t>
+            </a:r>
+            <a:r>
+              <a:rPr lang="zh-CN" altLang="en-US" dirty="0"/>
+              <a:t>）生成</a:t>
+            </a:r>
+            <a:r>
+              <a:rPr lang="zh-CN" altLang="en-US" dirty="0" smtClean="0"/>
+              <a:t>其他相关性更强的变量</a:t>
+            </a:r>
+            <a:r>
+              <a:rPr lang="zh-CN" altLang="en-US" dirty="0"/>
+              <a:t>，例如用交易年份减去房屋建成年份得到房</a:t>
+            </a:r>
+            <a:r>
+              <a:rPr lang="zh-CN" altLang="en-US" dirty="0" smtClean="0"/>
+              <a:t>龄</a:t>
+            </a:r>
             <a:endParaRPr lang="zh-CN" altLang="en-US" dirty="0"/>
           </a:p>
-        </p:txBody>
-      </p:sp>
-      <p:pic>
-        <p:nvPicPr>
-          <p:cNvPr id="4" name="图片 3"/>
-          <p:cNvPicPr>
-            <a:picLocks noChangeAspect="1"/>
-          </p:cNvPicPr>
-          <p:nvPr/>
-        </p:nvPicPr>
-        <p:blipFill>
-          <a:blip r:embed="rId2"/>
-          <a:stretch>
-            <a:fillRect/>
-          </a:stretch>
-        </p:blipFill>
-        <p:spPr>
-          <a:xfrm>
-            <a:off x="7374007" y="1825625"/>
-            <a:ext cx="1181100" cy="571500"/>
-          </a:xfrm>
-          <a:prstGeom prst="rect">
-            <a:avLst/>
-          </a:prstGeom>
-        </p:spPr>
-      </p:pic>
-      <p:pic>
-        <p:nvPicPr>
-          <p:cNvPr id="7" name="图片 6"/>
-          <p:cNvPicPr>
-            <a:picLocks noChangeAspect="1"/>
-          </p:cNvPicPr>
-          <p:nvPr/>
-        </p:nvPicPr>
-        <p:blipFill>
-          <a:blip r:embed="rId3"/>
-          <a:stretch>
-            <a:fillRect/>
-          </a:stretch>
-        </p:blipFill>
-        <p:spPr>
-          <a:xfrm>
-            <a:off x="2303600" y="3229464"/>
-            <a:ext cx="5070407" cy="1195105"/>
-          </a:xfrm>
-          <a:prstGeom prst="rect">
-            <a:avLst/>
-          </a:prstGeom>
-        </p:spPr>
-      </p:pic>
-      <p:pic>
-        <p:nvPicPr>
-          <p:cNvPr id="8" name="图片 7"/>
-          <p:cNvPicPr>
-            <a:picLocks noChangeAspect="1"/>
-          </p:cNvPicPr>
-          <p:nvPr/>
-        </p:nvPicPr>
-        <p:blipFill>
-          <a:blip r:embed="rId4"/>
-          <a:stretch>
-            <a:fillRect/>
-          </a:stretch>
-        </p:blipFill>
-        <p:spPr>
-          <a:xfrm>
-            <a:off x="2303600" y="4371083"/>
-            <a:ext cx="5295900" cy="1457325"/>
-          </a:xfrm>
-          <a:prstGeom prst="rect">
-            <a:avLst/>
-          </a:prstGeom>
-        </p:spPr>
-      </p:pic>
+          <a:p>
+            <a:endParaRPr lang="zh-CN" altLang="en-US" dirty="0"/>
+          </a:p>
+        </p:txBody>
+      </p:sp>
     </p:spTree>
     <p:extLst>
       <p:ext uri="{BB962C8B-B14F-4D97-AF65-F5344CB8AC3E}">
-        <p14:creationId xmlns:p14="http://schemas.microsoft.com/office/powerpoint/2010/main" val="237760344"/>
+        <p14:creationId xmlns:p14="http://schemas.microsoft.com/office/powerpoint/2010/main" val="2930984120"/>
       </p:ext>
     </p:extLst>
   </p:cSld>
   <p:clrMapOvr>
     <a:masterClrMapping/>
   </p:clrMapOvr>
-  <p:timing>
-    <p:tnLst>
-      <p:par>
-        <p:cTn id="1" dur="indefinite" restart="never" nodeType="tmRoot"/>
-      </p:par>
-    </p:tnLst>
-  </p:timing>
 </p:sld>
 </file>
 
@@ -6463,7 +7499,15 @@
             <a:pPr algn="ctr"/>
             <a:r>
               <a:rPr lang="zh-CN" altLang="en-US" dirty="0" smtClean="0"/>
-              <a:t>线性模型</a:t>
+              <a:t>数据预处理</a:t>
+            </a:r>
+            <a:r>
+              <a:rPr lang="en-US" altLang="zh-CN" dirty="0" smtClean="0"/>
+              <a:t>——</a:t>
+            </a:r>
+            <a:r>
+              <a:rPr lang="zh-CN" altLang="en-US" dirty="0" smtClean="0"/>
+              <a:t>其他</a:t>
             </a:r>
             <a:endParaRPr lang="zh-CN" altLang="en-US" dirty="0"/>
           </a:p>
@@ -6481,23 +7525,69 @@
         </p:nvSpPr>
         <p:spPr/>
         <p:txBody>
-          <a:bodyPr/>
-          <a:lstStyle/>
-          <a:p>
+          <a:bodyPr>
+            <a:normAutofit lnSpcReduction="10000"/>
+          </a:bodyPr>
+          <a:lstStyle/>
+          <a:p>
+            <a:r>
+              <a:rPr lang="zh-CN" altLang="en-US" dirty="0" smtClean="0"/>
+              <a:t>孤立点分析</a:t>
+            </a:r>
+            <a:endParaRPr lang="en-US" altLang="zh-CN" dirty="0" smtClean="0"/>
+          </a:p>
+          <a:p>
+            <a:endParaRPr lang="zh-CN" altLang="en-US" dirty="0"/>
+          </a:p>
+          <a:p>
+            <a:r>
+              <a:rPr lang="zh-CN" altLang="en-US" dirty="0" smtClean="0"/>
+              <a:t>有</a:t>
+            </a:r>
+            <a:r>
+              <a:rPr lang="en-US" altLang="zh-CN" dirty="0"/>
+              <a:t>5</a:t>
+            </a:r>
             <a:r>
               <a:rPr lang="zh-CN" altLang="en-US" dirty="0"/>
-              <a:t>解决</a:t>
-            </a:r>
-            <a:r>
-              <a:rPr lang="zh-CN" altLang="en-US" dirty="0" smtClean="0"/>
-              <a:t>方法：</a:t>
-            </a:r>
-            <a:endParaRPr lang="en-US" altLang="zh-CN" dirty="0" smtClean="0"/>
-          </a:p>
-          <a:p>
-            <a:r>
-              <a:rPr lang="en-US" altLang="zh-CN" dirty="0" smtClean="0"/>
-              <a:t>Lasso</a:t>
+              <a:t>套房产的单位居住面积价格低于</a:t>
+            </a:r>
+            <a:r>
+              <a:rPr lang="en-US" altLang="zh-CN" dirty="0"/>
+              <a:t>40</a:t>
+            </a:r>
+            <a:r>
+              <a:rPr lang="zh-CN" altLang="en-US" dirty="0"/>
+              <a:t>，显著地小于其他房产，我们因此决定删去这</a:t>
+            </a:r>
+            <a:r>
+              <a:rPr lang="en-US" altLang="zh-CN" dirty="0"/>
+              <a:t>5</a:t>
+            </a:r>
+            <a:r>
+              <a:rPr lang="zh-CN" altLang="en-US" dirty="0"/>
+              <a:t>条记录</a:t>
+            </a:r>
+            <a:r>
+              <a:rPr lang="zh-CN" altLang="en-US" dirty="0" smtClean="0"/>
+              <a:t>。</a:t>
+            </a:r>
+            <a:endParaRPr lang="en-US" altLang="zh-CN" dirty="0" smtClean="0"/>
+          </a:p>
+          <a:p>
+            <a:endParaRPr lang="en-US" altLang="zh-CN" dirty="0" smtClean="0"/>
+          </a:p>
+          <a:p>
+            <a:endParaRPr lang="zh-CN" altLang="en-US" dirty="0"/>
+          </a:p>
+          <a:p>
+            <a:r>
+              <a:rPr lang="zh-CN" altLang="en-US" dirty="0" smtClean="0"/>
+              <a:t>数据</a:t>
+            </a:r>
+            <a:r>
+              <a:rPr lang="zh-CN" altLang="en-US" dirty="0"/>
+              <a:t>归一化</a:t>
             </a:r>
             <a:r>
               <a:rPr lang="zh-CN" altLang="en-US" dirty="0" smtClean="0"/>
@@ -6506,111 +7596,43 @@
             <a:endParaRPr lang="en-US" altLang="zh-CN" dirty="0" smtClean="0"/>
           </a:p>
           <a:p>
-            <a:endParaRPr lang="en-US" altLang="zh-CN" dirty="0"/>
-          </a:p>
-          <a:p>
-            <a:endParaRPr lang="en-US" altLang="zh-CN" dirty="0" smtClean="0"/>
-          </a:p>
-          <a:p>
-            <a:r>
-              <a:rPr lang="en-US" altLang="zh-CN" dirty="0" err="1" smtClean="0"/>
-              <a:t>Elasticnet</a:t>
-            </a:r>
-            <a:r>
-              <a:rPr lang="zh-CN" altLang="en-US" dirty="0" smtClean="0"/>
-              <a:t>：将</a:t>
-            </a:r>
-            <a:r>
-              <a:rPr lang="en-US" altLang="zh-CN" dirty="0" smtClean="0"/>
-              <a:t>lasso</a:t>
-            </a:r>
-            <a:r>
-              <a:rPr lang="zh-CN" altLang="en-US" dirty="0" smtClean="0"/>
-              <a:t>、</a:t>
-            </a:r>
-            <a:r>
-              <a:rPr lang="en-US" altLang="zh-CN" dirty="0" smtClean="0"/>
-              <a:t>ridge</a:t>
-            </a:r>
-            <a:r>
-              <a:rPr lang="zh-CN" altLang="en-US" dirty="0" smtClean="0"/>
-              <a:t>合二为一：</a:t>
-            </a:r>
-            <a:endParaRPr lang="en-US" altLang="zh-CN" dirty="0" smtClean="0"/>
-          </a:p>
-          <a:p>
-            <a:endParaRPr lang="en-US" altLang="zh-CN" dirty="0" smtClean="0"/>
-          </a:p>
-          <a:p>
+            <a:endParaRPr lang="en-US" altLang="zh-CN" dirty="0" smtClean="0"/>
+          </a:p>
+          <a:p>
+            <a:r>
+              <a:rPr lang="zh-CN" altLang="en-US" dirty="0" smtClean="0"/>
+              <a:t>我们</a:t>
+            </a:r>
+            <a:r>
+              <a:rPr lang="zh-CN" altLang="en-US" dirty="0"/>
+              <a:t>对所有数值变量进行了</a:t>
+            </a:r>
+            <a:r>
+              <a:rPr lang="en-US" altLang="zh-CN" dirty="0"/>
+              <a:t>z-score</a:t>
+            </a:r>
+            <a:r>
+              <a:rPr lang="zh-CN" altLang="en-US" dirty="0"/>
+              <a:t>规范化处理</a:t>
+            </a:r>
+            <a:r>
+              <a:rPr lang="zh-CN" altLang="en-US" dirty="0" smtClean="0"/>
+              <a:t>，</a:t>
+            </a:r>
             <a:endParaRPr lang="zh-CN" altLang="en-US" dirty="0"/>
           </a:p>
         </p:txBody>
       </p:sp>
-      <p:pic>
-        <p:nvPicPr>
-          <p:cNvPr id="4" name="图片 3"/>
-          <p:cNvPicPr>
-            <a:picLocks noChangeAspect="1"/>
-          </p:cNvPicPr>
-          <p:nvPr/>
-        </p:nvPicPr>
-        <p:blipFill>
-          <a:blip r:embed="rId2"/>
-          <a:stretch>
-            <a:fillRect/>
-          </a:stretch>
-        </p:blipFill>
-        <p:spPr>
-          <a:xfrm>
-            <a:off x="2279375" y="2113721"/>
-            <a:ext cx="4568686" cy="1395987"/>
-          </a:xfrm>
-          <a:prstGeom prst="rect">
-            <a:avLst/>
-          </a:prstGeom>
-        </p:spPr>
-      </p:pic>
-      <p:pic>
-        <p:nvPicPr>
-          <p:cNvPr id="5" name="图片 4"/>
-          <p:cNvPicPr>
-            <a:picLocks noChangeAspect="1"/>
-          </p:cNvPicPr>
-          <p:nvPr/>
-        </p:nvPicPr>
-        <p:blipFill>
-          <a:blip r:embed="rId3"/>
-          <a:stretch>
-            <a:fillRect/>
-          </a:stretch>
-        </p:blipFill>
-        <p:spPr>
-          <a:xfrm>
-            <a:off x="2587489" y="4644470"/>
-            <a:ext cx="8675632" cy="1155182"/>
-          </a:xfrm>
-          <a:prstGeom prst="rect">
-            <a:avLst/>
-          </a:prstGeom>
-        </p:spPr>
-      </p:pic>
     </p:spTree>
     <p:extLst>
       <p:ext uri="{BB962C8B-B14F-4D97-AF65-F5344CB8AC3E}">
-        <p14:creationId xmlns:p14="http://schemas.microsoft.com/office/powerpoint/2010/main" val="3416330270"/>
+        <p14:creationId xmlns:p14="http://schemas.microsoft.com/office/powerpoint/2010/main" val="3431935470"/>
       </p:ext>
     </p:extLst>
   </p:cSld>
   <p:clrMapOvr>
     <a:masterClrMapping/>
   </p:clrMapOvr>
-  <p:timing>
-    <p:tnLst>
-      <p:par>
-        <p:cTn id="1" dur="indefinite" restart="never" nodeType="tmRoot"/>
-      </p:par>
-    </p:tnLst>
-  </p:timing>
 </p:sld>
 </file>
 
@@ -6648,8 +7670,12 @@
           <a:p>
             <a:pPr algn="ctr"/>
             <a:r>
-              <a:rPr lang="zh-CN" altLang="en-US" dirty="0" smtClean="0"/>
-              <a:t>结果</a:t>
+              <a:rPr lang="zh-CN" altLang="en-US" dirty="0"/>
+              <a:t>模型</a:t>
+            </a:r>
+            <a:r>
+              <a:rPr lang="zh-CN" altLang="en-US" dirty="0" smtClean="0"/>
+              <a:t>选择</a:t>
             </a:r>
             <a:endParaRPr lang="zh-CN" altLang="en-US" dirty="0"/>
           </a:p>
@@ -6672,119 +7698,100 @@
           </a:bodyPr>
           <a:lstStyle/>
           <a:p>
-            <a:endParaRPr lang="en-US" altLang="zh-CN" dirty="0" smtClean="0"/>
-          </a:p>
-          <a:p>
-            <a:r>
-              <a:rPr lang="zh-CN" altLang="en-US" dirty="0" smtClean="0"/>
-              <a:t>评价方法：</a:t>
-            </a:r>
-            <a:endParaRPr lang="en-US" altLang="zh-CN" dirty="0" smtClean="0"/>
-          </a:p>
-          <a:p>
+            <a:r>
+              <a:rPr lang="zh-CN" altLang="en-US" dirty="0" smtClean="0"/>
+              <a:t>线性模型：</a:t>
+            </a:r>
+            <a:r>
+              <a:rPr lang="en-US" altLang="zh-CN" dirty="0" err="1" smtClean="0"/>
+              <a:t>ols</a:t>
+            </a:r>
+            <a:r>
+              <a:rPr lang="zh-CN" altLang="en-US" dirty="0" smtClean="0"/>
+              <a:t>、</a:t>
+            </a:r>
+            <a:r>
+              <a:rPr lang="en-US" altLang="zh-CN" dirty="0" smtClean="0"/>
+              <a:t>lasso</a:t>
+            </a:r>
+            <a:r>
+              <a:rPr lang="zh-CN" altLang="en-US" dirty="0" smtClean="0"/>
+              <a:t>、</a:t>
+            </a:r>
+            <a:r>
+              <a:rPr lang="en-US" altLang="zh-CN" dirty="0" smtClean="0"/>
+              <a:t>ridge</a:t>
+            </a:r>
+            <a:r>
+              <a:rPr lang="zh-CN" altLang="en-US" dirty="0" smtClean="0"/>
+              <a:t>、</a:t>
+            </a:r>
+            <a:r>
+              <a:rPr lang="en-US" altLang="zh-CN" dirty="0" err="1" smtClean="0"/>
+              <a:t>elasticnet</a:t>
+            </a:r>
             <a:endParaRPr lang="en-US" altLang="zh-CN" dirty="0"/>
           </a:p>
           <a:p>
+            <a:endParaRPr lang="en-US" altLang="zh-CN" dirty="0" smtClean="0"/>
+          </a:p>
+          <a:p>
+            <a:endParaRPr lang="en-US" altLang="zh-CN" dirty="0" smtClean="0"/>
+          </a:p>
+          <a:p>
+            <a:r>
+              <a:rPr lang="zh-CN" altLang="en-US" dirty="0" smtClean="0"/>
+              <a:t>神经网络：</a:t>
+            </a:r>
             <a:r>
               <a:rPr lang="en-US" altLang="zh-CN" dirty="0" err="1" smtClean="0"/>
-              <a:t>Ols</a:t>
-            </a:r>
-            <a:r>
-              <a:rPr lang="zh-CN" altLang="en-US" dirty="0" smtClean="0"/>
-              <a:t>：</a:t>
-            </a:r>
-            <a:r>
-              <a:rPr lang="en-US" altLang="zh-CN" dirty="0" smtClean="0"/>
-              <a:t>1.7e8</a:t>
-            </a:r>
-            <a:r>
-              <a:rPr lang="zh-CN" altLang="en-US" dirty="0" smtClean="0"/>
-              <a:t>，原因：参数较多且特征矩阵过于稀疏</a:t>
-            </a:r>
-            <a:endParaRPr lang="en-US" altLang="zh-CN" dirty="0" smtClean="0"/>
-          </a:p>
-          <a:p>
-            <a:r>
-              <a:rPr lang="en-US" altLang="zh-CN" dirty="0" smtClean="0"/>
-              <a:t>Lasso</a:t>
-            </a:r>
-            <a:r>
-              <a:rPr lang="zh-CN" altLang="en-US" dirty="0" smtClean="0"/>
-              <a:t>：</a:t>
-            </a:r>
-            <a:r>
-              <a:rPr lang="en-US" altLang="zh-CN" dirty="0" smtClean="0"/>
-              <a:t>28056</a:t>
-            </a:r>
-          </a:p>
-          <a:p>
-            <a:r>
-              <a:rPr lang="en-US" altLang="zh-CN" dirty="0" smtClean="0"/>
-              <a:t>Ridge</a:t>
-            </a:r>
-            <a:r>
-              <a:rPr lang="zh-CN" altLang="en-US" dirty="0" smtClean="0"/>
-              <a:t>：</a:t>
-            </a:r>
-            <a:r>
-              <a:rPr lang="en-US" altLang="zh-CN" dirty="0" smtClean="0"/>
-              <a:t>27534</a:t>
-            </a:r>
-          </a:p>
-          <a:p>
+              <a:t>ann</a:t>
+            </a:r>
+            <a:endParaRPr lang="en-US" altLang="zh-CN" dirty="0" smtClean="0"/>
+          </a:p>
+          <a:p>
+            <a:endParaRPr lang="en-US" altLang="zh-CN" dirty="0" smtClean="0"/>
+          </a:p>
+          <a:p>
+            <a:endParaRPr lang="en-US" altLang="zh-CN" dirty="0" smtClean="0"/>
+          </a:p>
+          <a:p>
+            <a:r>
+              <a:rPr lang="zh-CN" altLang="en-US" dirty="0" smtClean="0"/>
+              <a:t>集成学习：</a:t>
+            </a:r>
+            <a:r>
+              <a:rPr lang="en-US" altLang="zh-CN" dirty="0" smtClean="0"/>
+              <a:t>gradient boosting</a:t>
+            </a:r>
+            <a:r>
+              <a:rPr lang="zh-CN" altLang="en-US" dirty="0" smtClean="0"/>
+              <a:t>、</a:t>
+            </a:r>
             <a:r>
               <a:rPr lang="en-US" altLang="zh-CN" dirty="0" err="1" smtClean="0"/>
-              <a:t>Elasticnet</a:t>
-            </a:r>
-            <a:r>
-              <a:rPr lang="zh-CN" altLang="en-US" dirty="0" smtClean="0"/>
-              <a:t>：</a:t>
-            </a:r>
-            <a:r>
-              <a:rPr lang="en-US" altLang="zh-CN" dirty="0" smtClean="0"/>
-              <a:t>26658</a:t>
-            </a:r>
-          </a:p>
-          <a:p>
-            <a:r>
-              <a:rPr lang="zh-CN" altLang="en-US" dirty="0" smtClean="0"/>
-              <a:t>结论：可以明显看到，在添加正则项之后线性模型表现好了很多</a:t>
-            </a:r>
-            <a:endParaRPr lang="en-US" altLang="zh-CN" dirty="0" smtClean="0"/>
-          </a:p>
-          <a:p>
-            <a:endParaRPr lang="zh-CN" altLang="en-US" dirty="0"/>
-          </a:p>
-        </p:txBody>
-      </p:sp>
-      <p:pic>
-        <p:nvPicPr>
-          <p:cNvPr id="4" name="图片 3"/>
-          <p:cNvPicPr>
-            <a:picLocks noChangeAspect="1"/>
-          </p:cNvPicPr>
-          <p:nvPr/>
-        </p:nvPicPr>
-        <p:blipFill>
-          <a:blip r:embed="rId2"/>
-          <a:stretch>
-            <a:fillRect/>
-          </a:stretch>
-        </p:blipFill>
-        <p:spPr>
-          <a:xfrm>
-            <a:off x="2768875" y="1690688"/>
-            <a:ext cx="5242064" cy="1533393"/>
-          </a:xfrm>
-          <a:prstGeom prst="rect">
-            <a:avLst/>
-          </a:prstGeom>
-        </p:spPr>
-      </p:pic>
+              <a:t>xgboost</a:t>
+            </a:r>
+            <a:endParaRPr lang="en-US" altLang="zh-CN" dirty="0" smtClean="0"/>
+          </a:p>
+          <a:p>
+            <a:endParaRPr lang="en-US" altLang="zh-CN" dirty="0" smtClean="0"/>
+          </a:p>
+          <a:p>
+            <a:endParaRPr lang="en-US" altLang="zh-CN" dirty="0"/>
+          </a:p>
+          <a:p>
+            <a:pPr marL="0" indent="0">
+              <a:buNone/>
+            </a:pPr>
+            <a:endParaRPr lang="en-US" altLang="zh-CN" dirty="0" smtClean="0"/>
+          </a:p>
+        </p:txBody>
+      </p:sp>
     </p:spTree>
     <p:extLst>
       <p:ext uri="{BB962C8B-B14F-4D97-AF65-F5344CB8AC3E}">
-        <p14:creationId xmlns:p14="http://schemas.microsoft.com/office/powerpoint/2010/main" val="2570049706"/>
+        <p14:creationId xmlns:p14="http://schemas.microsoft.com/office/powerpoint/2010/main" val="1526561472"/>
       </p:ext>
     </p:extLst>
   </p:cSld>
@@ -6836,8 +7843,17 @@
             <a:pPr algn="ctr"/>
             <a:r>
               <a:rPr lang="zh-CN" altLang="en-US" dirty="0"/>
-              <a:t>神经网络</a:t>
-            </a:r>
+              <a:t>模型选择</a:t>
+            </a:r>
+            <a:r>
+              <a:rPr lang="en-US" altLang="zh-CN" dirty="0"/>
+              <a:t>——</a:t>
+            </a:r>
+            <a:r>
+              <a:rPr lang="zh-CN" altLang="en-US" dirty="0" smtClean="0"/>
+              <a:t>线性模型</a:t>
+            </a:r>
+            <a:endParaRPr lang="zh-CN" altLang="en-US" dirty="0"/>
           </a:p>
         </p:txBody>
       </p:sp>
@@ -6857,16 +7873,36 @@
           <a:lstStyle/>
           <a:p>
             <a:r>
-              <a:rPr lang="zh-CN" altLang="en-US" dirty="0" smtClean="0"/>
-              <a:t>简介：</a:t>
-            </a:r>
-            <a:endParaRPr lang="zh-CN" altLang="en-US" dirty="0"/>
+              <a:rPr lang="en-US" altLang="zh-CN" dirty="0" err="1" smtClean="0"/>
+              <a:t>Ols</a:t>
+            </a:r>
+            <a:r>
+              <a:rPr lang="zh-CN" altLang="en-US" dirty="0" smtClean="0"/>
+              <a:t>：最简单且基础的模型。</a:t>
+            </a:r>
+            <a:endParaRPr lang="en-US" altLang="zh-CN" dirty="0" smtClean="0"/>
+          </a:p>
+          <a:p>
+            <a:r>
+              <a:rPr lang="zh-CN" altLang="en-US" dirty="0" smtClean="0"/>
+              <a:t>核心：</a:t>
+            </a:r>
+            <a:endParaRPr lang="en-US" altLang="zh-CN" dirty="0" smtClean="0"/>
+          </a:p>
+          <a:p>
+            <a:endParaRPr lang="en-US" altLang="zh-CN" dirty="0"/>
+          </a:p>
+          <a:p>
+            <a:endParaRPr lang="en-US" altLang="zh-CN" dirty="0" smtClean="0"/>
+          </a:p>
+          <a:p>
+            <a:endParaRPr lang="en-US" altLang="zh-CN" dirty="0" smtClean="0"/>
           </a:p>
         </p:txBody>
       </p:sp>
       <p:pic>
         <p:nvPicPr>
-          <p:cNvPr id="4" name="图片 3"/>
+          <p:cNvPr id="15" name="图片 14"/>
           <p:cNvPicPr>
             <a:picLocks noChangeAspect="1"/>
           </p:cNvPicPr>
@@ -6880,8 +7916,8 @@
         </p:blipFill>
         <p:spPr>
           <a:xfrm>
-            <a:off x="2182260" y="1638300"/>
-            <a:ext cx="8105775" cy="5219700"/>
+            <a:off x="2390378" y="2467277"/>
+            <a:ext cx="8963422" cy="2850157"/>
           </a:xfrm>
           <a:prstGeom prst="rect">
             <a:avLst/>
@@ -6891,7 +7927,7 @@
     </p:spTree>
     <p:extLst>
       <p:ext uri="{BB962C8B-B14F-4D97-AF65-F5344CB8AC3E}">
-        <p14:creationId xmlns:p14="http://schemas.microsoft.com/office/powerpoint/2010/main" val="663055834"/>
+        <p14:creationId xmlns:p14="http://schemas.microsoft.com/office/powerpoint/2010/main" val="1867304928"/>
       </p:ext>
     </p:extLst>
   </p:cSld>
